--- a/docs/presentations/Data-Driven Inverse Optimization.pptx
+++ b/docs/presentations/Data-Driven Inverse Optimization.pptx
@@ -3682,23 +3682,26 @@
                 <a14:m>
                   <m:oMath xmlns:m="http://schemas.openxmlformats.org/officeDocument/2006/math">
                     <m:r>
-                      <m:rPr>
-                        <m:sty m:val="p"/>
-                      </m:rPr>
-                      <a:rPr lang="en-US" altLang="ru-RU" sz="2800"/>
-                      <m:t>S</m:t>
-                    </m:r>
-                    <m:r>
-                      <a:rPr lang="en-US" altLang="ru-RU" sz="2800"/>
+                      <a:rPr lang="en-US" altLang="ru-RU" sz="2800">
+                        <a:latin typeface="DejaVu Math TeX Gyre" panose="02000503000000000000" charset="0"/>
+                        <a:cs typeface="DejaVu Math TeX Gyre" panose="02000503000000000000" charset="0"/>
+                      </a:rPr>
+                      <m:t>𝒮</m:t>
+                    </m:r>
+                    <m:r>
+                      <a:rPr lang="en-US" altLang="ru-RU" sz="2800">
+                        <a:latin typeface="DejaVu Math TeX Gyre" panose="02000503000000000000" charset="0"/>
+                      </a:rPr>
                       <m:t>=</m:t>
                     </m:r>
                     <m:acc>
                       <m:accPr>
-                        <m:chr m:val="̅"/>
+                        <m:chr m:val="̃"/>
                         <m:ctrlPr>
-                          <a:rPr lang="en-US" altLang="ru-RU" sz="2800" i="1">
+                          <a:rPr lang="ru-RU" altLang="en-US" sz="2800" i="1">
                             <a:latin typeface="DejaVu Math TeX Gyre" panose="02000503000000000000" charset="0"/>
                             <a:cs typeface="DejaVu Math TeX Gyre" panose="02000503000000000000" charset="0"/>
+                            <a:sym typeface="+mn-ea"/>
                           </a:rPr>
                         </m:ctrlPr>
                       </m:accPr>
@@ -3707,8 +3710,9 @@
                           <a:rPr lang="en-US" altLang="ru-RU" sz="2800" i="1">
                             <a:latin typeface="DejaVu Math TeX Gyre" panose="02000503000000000000" charset="0"/>
                             <a:cs typeface="DejaVu Math TeX Gyre" panose="02000503000000000000" charset="0"/>
+                            <a:sym typeface="+mn-ea"/>
                           </a:rPr>
-                          <m:t>𝑋</m:t>
+                          <m:t>𝒳</m:t>
                         </m:r>
                       </m:e>
                     </m:acc>
@@ -3723,8 +3727,9 @@
                       <a:rPr lang="en-US" altLang="ru-RU" sz="2800" i="1">
                         <a:latin typeface="DejaVu Math TeX Gyre" panose="02000503000000000000" charset="0"/>
                         <a:cs typeface="DejaVu Math TeX Gyre" panose="02000503000000000000" charset="0"/>
-                      </a:rPr>
-                      <m:t>𝑋</m:t>
+                        <a:sym typeface="+mn-ea"/>
+                      </a:rPr>
+                      <m:t>𝒳</m:t>
                     </m:r>
                   </m:oMath>
                 </a14:m>
@@ -3735,14 +3740,11 @@
                 <a14:m>
                   <m:oMath xmlns:m="http://schemas.openxmlformats.org/officeDocument/2006/math">
                     <m:r>
-                      <m:rPr>
-                        <m:sty m:val="p"/>
-                      </m:rPr>
-                      <a:rPr lang="en-US" altLang="ru-RU" sz="2800">
-                        <a:latin typeface="DejaVu Math TeX Gyre" panose="02000503000000000000" charset="0"/>
-                        <a:cs typeface="DejaVu Math TeX Gyre" panose="02000503000000000000" charset="0"/>
-                      </a:rPr>
-                      <m:t>x</m:t>
+                      <a:rPr lang="en-US" altLang="ru-RU" sz="2800" b="1">
+                        <a:latin typeface="DejaVu Math TeX Gyre" panose="02000503000000000000" charset="0"/>
+                        <a:cs typeface="DejaVu Math TeX Gyre" panose="02000503000000000000" charset="0"/>
+                      </a:rPr>
+                      <m:t>𝐱</m:t>
                     </m:r>
                     <m:r>
                       <a:rPr lang="en-US" altLang="ru-RU" sz="2800" baseline="-25000">
@@ -3770,13 +3772,11 @@
                 <a14:m>
                   <m:oMath xmlns:m="http://schemas.openxmlformats.org/officeDocument/2006/math">
                     <m:r>
-                      <m:rPr>
-                        <m:sty m:val="p"/>
-                      </m:rPr>
                       <a:rPr lang="en-US" altLang="ru-RU" sz="2800">
                         <a:latin typeface="DejaVu Math TeX Gyre" panose="02000503000000000000" charset="0"/>
-                      </a:rPr>
-                      <m:t>S</m:t>
+                        <a:cs typeface="DejaVu Math TeX Gyre" panose="02000503000000000000" charset="0"/>
+                      </a:rPr>
+                      <m:t>𝒮</m:t>
                     </m:r>
                     <m:r>
                       <a:rPr lang="en-US" altLang="ru-RU" sz="2800">
@@ -3986,7 +3986,7 @@
                 </a14:m>
                 <a:r>
                   <a:rPr lang="ru-RU" sz="2800"/>
-                  <a:t> - выпуклое множество</a:t>
+                  <a:t> - выпуклое множество;</a:t>
                 </a:r>
                 <a:endParaRPr lang="ru-RU" sz="2800"/>
               </a:p>
@@ -4002,11 +4002,12 @@
                   <m:oMath xmlns:m="http://schemas.openxmlformats.org/officeDocument/2006/math">
                     <m:acc>
                       <m:accPr>
-                        <m:chr m:val="̅"/>
+                        <m:chr m:val="̃"/>
                         <m:ctrlPr>
-                          <a:rPr lang="en-US" altLang="ru-RU" sz="2800" i="1">
+                          <a:rPr lang="ru-RU" altLang="en-US" sz="2800" i="1">
                             <a:latin typeface="DejaVu Math TeX Gyre" panose="02000503000000000000" charset="0"/>
                             <a:cs typeface="DejaVu Math TeX Gyre" panose="02000503000000000000" charset="0"/>
+                            <a:sym typeface="+mn-ea"/>
                           </a:rPr>
                         </m:ctrlPr>
                       </m:accPr>
@@ -4015,8 +4016,9 @@
                           <a:rPr lang="en-US" altLang="ru-RU" sz="2800" i="1">
                             <a:latin typeface="DejaVu Math TeX Gyre" panose="02000503000000000000" charset="0"/>
                             <a:cs typeface="DejaVu Math TeX Gyre" panose="02000503000000000000" charset="0"/>
+                            <a:sym typeface="+mn-ea"/>
                           </a:rPr>
-                          <m:t>𝑋</m:t>
+                          <m:t>𝒳</m:t>
                         </m:r>
                       </m:e>
                     </m:acc>
@@ -4031,8 +4033,9 @@
                       <a:rPr lang="en-US" altLang="ru-RU" sz="2800" i="1">
                         <a:latin typeface="DejaVu Math TeX Gyre" panose="02000503000000000000" charset="0"/>
                         <a:cs typeface="DejaVu Math TeX Gyre" panose="02000503000000000000" charset="0"/>
-                      </a:rPr>
-                      <m:t>𝑋</m:t>
+                        <a:sym typeface="+mn-ea"/>
+                      </a:rPr>
+                      <m:t>𝒳</m:t>
                     </m:r>
                     <m:r>
                       <a:rPr lang="en-US" altLang="ru-RU" sz="2800" i="1">
@@ -4058,7 +4061,7 @@
                     <a:latin typeface="DejaVu Math TeX Gyre" panose="02000503000000000000" charset="0"/>
                     <a:cs typeface="DejaVu Math TeX Gyre" panose="02000503000000000000" charset="0"/>
                   </a:rPr>
-                  <a:t> - тоже выпуклое</a:t>
+                  <a:t> - тоже выпуклое;</a:t>
                 </a:r>
                 <a:endParaRPr lang="ru-RU" altLang="en-US" sz="2800">
                   <a:latin typeface="DejaVu Math TeX Gyre" panose="02000503000000000000" charset="0"/>
@@ -4074,7 +4077,7 @@
                     <a:latin typeface="DejaVu Math TeX Gyre" panose="02000503000000000000" charset="0"/>
                     <a:cs typeface="DejaVu Math TeX Gyre" panose="02000503000000000000" charset="0"/>
                   </a:rPr>
-                  <a:t>3) Любое приличное множество лежит в </a:t>
+                  <a:t>3) любое приличное множество лежит в </a:t>
                 </a:r>
                 <a14:m>
                   <m:oMath xmlns:m="http://schemas.openxmlformats.org/officeDocument/2006/math">
@@ -4095,7 +4098,7 @@
                     <a:latin typeface="DejaVu Math TeX Gyre" panose="02000503000000000000" charset="0"/>
                     <a:cs typeface="DejaVu Math TeX Gyre" panose="02000503000000000000" charset="0"/>
                   </a:rPr>
-                  <a:t>.</a:t>
+                  <a:t>;</a:t>
                 </a:r>
                 <a:endParaRPr lang="ru-RU" altLang="en-US" sz="2800">
                   <a:latin typeface="DejaVu Math TeX Gyre" panose="02000503000000000000" charset="0"/>
@@ -4117,11 +4120,12 @@
                   <m:oMath xmlns:m="http://schemas.openxmlformats.org/officeDocument/2006/math">
                     <m:acc>
                       <m:accPr>
-                        <m:chr m:val="̅"/>
+                        <m:chr m:val="̃"/>
                         <m:ctrlPr>
-                          <a:rPr lang="en-US" altLang="ru-RU" sz="2800" i="1">
+                          <a:rPr lang="ru-RU" altLang="en-US" sz="2800" i="1">
                             <a:latin typeface="DejaVu Math TeX Gyre" panose="02000503000000000000" charset="0"/>
                             <a:cs typeface="DejaVu Math TeX Gyre" panose="02000503000000000000" charset="0"/>
+                            <a:sym typeface="+mn-ea"/>
                           </a:rPr>
                         </m:ctrlPr>
                       </m:accPr>
@@ -4130,8 +4134,9 @@
                           <a:rPr lang="en-US" altLang="ru-RU" sz="2800" i="1">
                             <a:latin typeface="DejaVu Math TeX Gyre" panose="02000503000000000000" charset="0"/>
                             <a:cs typeface="DejaVu Math TeX Gyre" panose="02000503000000000000" charset="0"/>
+                            <a:sym typeface="+mn-ea"/>
                           </a:rPr>
-                          <m:t>𝑋</m:t>
+                          <m:t>𝒳</m:t>
                         </m:r>
                       </m:e>
                     </m:acc>
@@ -4146,8 +4151,9 @@
                       <a:rPr lang="en-US" altLang="ru-RU" sz="2800" i="1">
                         <a:latin typeface="DejaVu Math TeX Gyre" panose="02000503000000000000" charset="0"/>
                         <a:cs typeface="DejaVu Math TeX Gyre" panose="02000503000000000000" charset="0"/>
-                      </a:rPr>
-                      <m:t>𝑋</m:t>
+                        <a:sym typeface="+mn-ea"/>
+                      </a:rPr>
+                      <m:t>𝒳</m:t>
                     </m:r>
                     <m:r>
                       <a:rPr lang="en-US" altLang="ru-RU" sz="2800" i="1">
@@ -4376,6 +4382,9 @@
             <a:noAutofit/>
           </a:bodyPr>
           <a:p>
+            <a:pPr marL="0" indent="0">
+              <a:buNone/>
+            </a:pPr>
             <a:r>
               <a:rPr lang="ru-RU" altLang="en-US" sz="2800">
                 <a:latin typeface="DejaVu Math TeX Gyre" panose="02000503000000000000" charset="0"/>
@@ -4551,10 +4560,11 @@
                 <a:normAutofit lnSpcReduction="10000"/>
               </a:bodyPr>
               <a:p>
-                <a:pPr>
+                <a:pPr marL="0" indent="0">
                   <a:lnSpc>
                     <a:spcPct val="100000"/>
                   </a:lnSpc>
+                  <a:buNone/>
                 </a:pPr>
                 <a:r>
                   <a:rPr lang="ru-RU" altLang="en-US" sz="2800">
@@ -4580,7 +4590,7 @@
                         <a:cs typeface="DejaVu Math TeX Gyre" panose="02000503000000000000" charset="0"/>
                         <a:sym typeface="+mn-ea"/>
                       </a:rPr>
-                      <m:t>𝑁</m:t>
+                      <m:t>𝒩</m:t>
                     </m:r>
                   </m:oMath>
                 </a14:m>
@@ -4626,7 +4636,7 @@
                         <a:cs typeface="DejaVu Math TeX Gyre" panose="02000503000000000000" charset="0"/>
                         <a:sym typeface="+mn-ea"/>
                       </a:rPr>
-                      <m:t>𝐿</m:t>
+                      <m:t>ℒ</m:t>
                     </m:r>
                   </m:oMath>
                 </a14:m>
@@ -4662,9 +4672,9 @@
                   <m:oMath xmlns:m="http://schemas.openxmlformats.org/officeDocument/2006/math">
                     <m:acc>
                       <m:accPr>
-                        <m:chr m:val="̅"/>
+                        <m:chr m:val="̃"/>
                         <m:ctrlPr>
-                          <a:rPr lang="en-US" altLang="ru-RU" sz="2800" i="1">
+                          <a:rPr lang="ru-RU" altLang="en-US" sz="2800" i="1">
                             <a:latin typeface="DejaVu Math TeX Gyre" panose="02000503000000000000" charset="0"/>
                             <a:cs typeface="DejaVu Math TeX Gyre" panose="02000503000000000000" charset="0"/>
                             <a:sym typeface="+mn-ea"/>
@@ -4678,7 +4688,7 @@
                             <a:cs typeface="DejaVu Math TeX Gyre" panose="02000503000000000000" charset="0"/>
                             <a:sym typeface="+mn-ea"/>
                           </a:rPr>
-                          <m:t>𝑁</m:t>
+                          <m:t>𝒩</m:t>
                         </m:r>
                       </m:e>
                     </m:acc>
@@ -4692,9 +4702,9 @@
                     </m:r>
                     <m:acc>
                       <m:accPr>
-                        <m:chr m:val="̅"/>
+                        <m:chr m:val="̃"/>
                         <m:ctrlPr>
-                          <a:rPr lang="en-US" altLang="ru-RU" sz="2800" i="1">
+                          <a:rPr lang="ru-RU" altLang="en-US" sz="2800" i="1">
                             <a:latin typeface="DejaVu Math TeX Gyre" panose="02000503000000000000" charset="0"/>
                             <a:cs typeface="DejaVu Math TeX Gyre" panose="02000503000000000000" charset="0"/>
                             <a:sym typeface="+mn-ea"/>
@@ -4708,7 +4718,7 @@
                             <a:cs typeface="DejaVu Math TeX Gyre" panose="02000503000000000000" charset="0"/>
                             <a:sym typeface="+mn-ea"/>
                           </a:rPr>
-                          <m:t>𝐿</m:t>
+                          <m:t>ℒ</m:t>
                         </m:r>
                       </m:e>
                     </m:acc>
@@ -4761,15 +4771,12 @@
                       <m:t>(</m:t>
                     </m:r>
                     <m:r>
-                      <m:rPr>
-                        <m:sty m:val="p"/>
-                      </m:rPr>
-                      <a:rPr lang="en-US" altLang="ru-RU" sz="2800">
+                      <a:rPr lang="en-US" altLang="ru-RU" sz="2800" b="1">
                         <a:latin typeface="DejaVu Math TeX Gyre" panose="02000503000000000000" charset="0"/>
                         <a:cs typeface="DejaVu Math TeX Gyre" panose="02000503000000000000" charset="0"/>
                         <a:sym typeface="+mn-ea"/>
                       </a:rPr>
-                      <m:t>x</m:t>
+                      <m:t>𝐱</m:t>
                     </m:r>
                     <m:r>
                       <a:rPr lang="en-US" altLang="ru-RU" sz="2800" i="1">
@@ -4780,15 +4787,12 @@
                       <m:t>; </m:t>
                     </m:r>
                     <m:r>
-                      <m:rPr>
-                        <m:sty m:val="p"/>
-                      </m:rPr>
-                      <a:rPr lang="en-US" altLang="ru-RU" sz="2800">
+                      <a:rPr lang="en-US" altLang="ru-RU" sz="2800" b="1">
                         <a:latin typeface="DejaVu Math TeX Gyre" panose="02000503000000000000" charset="0"/>
                         <a:cs typeface="DejaVu Math TeX Gyre" panose="02000503000000000000" charset="0"/>
                         <a:sym typeface="+mn-ea"/>
                       </a:rPr>
-                      <m:t>c</m:t>
+                      <m:t>𝐜</m:t>
                     </m:r>
                     <m:r>
                       <a:rPr lang="en-US" altLang="ru-RU" sz="2800" i="1">
@@ -4815,15 +4819,12 @@
                 <a14:m>
                   <m:oMath xmlns:m="http://schemas.openxmlformats.org/officeDocument/2006/math">
                     <m:r>
-                      <m:rPr>
-                        <m:sty m:val="p"/>
-                      </m:rPr>
-                      <a:rPr lang="en-US" altLang="ru-RU" sz="2800">
+                      <a:rPr lang="en-US" altLang="ru-RU" sz="2800" b="1">
                         <a:latin typeface="DejaVu Math TeX Gyre" panose="02000503000000000000" charset="0"/>
                         <a:cs typeface="DejaVu Math TeX Gyre" panose="02000503000000000000" charset="0"/>
                         <a:sym typeface="+mn-ea"/>
                       </a:rPr>
-                      <m:t>x</m:t>
+                      <m:t>𝐱</m:t>
                     </m:r>
                   </m:oMath>
                 </a14:m>
@@ -4889,15 +4890,12 @@
                 <a14:m>
                   <m:oMath xmlns:m="http://schemas.openxmlformats.org/officeDocument/2006/math">
                     <m:r>
-                      <m:rPr>
-                        <m:sty m:val="p"/>
-                      </m:rPr>
-                      <a:rPr lang="en-US" altLang="ru-RU" sz="2800">
+                      <a:rPr lang="en-US" altLang="ru-RU" sz="2800" i="1">
                         <a:latin typeface="DejaVu Math TeX Gyre" panose="02000503000000000000" charset="0"/>
                         <a:cs typeface="DejaVu Math TeX Gyre" panose="02000503000000000000" charset="0"/>
                         <a:sym typeface="+mn-ea"/>
                       </a:rPr>
-                      <m:t>g</m:t>
+                      <m:t>𝑔</m:t>
                     </m:r>
                     <m:r>
                       <m:rPr>
@@ -4919,34 +4917,28 @@
                       <m:t>(</m:t>
                     </m:r>
                     <m:r>
-                      <m:rPr>
-                        <m:sty m:val="p"/>
-                      </m:rPr>
+                      <a:rPr lang="en-US" altLang="ru-RU" sz="2800" b="1">
+                        <a:latin typeface="DejaVu Math TeX Gyre" panose="02000503000000000000" charset="0"/>
+                        <a:cs typeface="DejaVu Math TeX Gyre" panose="02000503000000000000" charset="0"/>
+                        <a:sym typeface="+mn-ea"/>
+                      </a:rPr>
+                      <m:t>𝐱</m:t>
+                    </m:r>
+                    <m:r>
                       <a:rPr lang="en-US" altLang="ru-RU" sz="2800">
                         <a:latin typeface="DejaVu Math TeX Gyre" panose="02000503000000000000" charset="0"/>
                         <a:cs typeface="DejaVu Math TeX Gyre" panose="02000503000000000000" charset="0"/>
                         <a:sym typeface="+mn-ea"/>
                       </a:rPr>
-                      <m:t>x</m:t>
-                    </m:r>
-                    <m:r>
-                      <a:rPr lang="en-US" altLang="ru-RU" sz="2800">
+                      <m:t>; </m:t>
+                    </m:r>
+                    <m:r>
+                      <a:rPr lang="en-US" altLang="ru-RU" sz="2800" b="1">
                         <a:latin typeface="DejaVu Math TeX Gyre" panose="02000503000000000000" charset="0"/>
                         <a:cs typeface="DejaVu Math TeX Gyre" panose="02000503000000000000" charset="0"/>
                         <a:sym typeface="+mn-ea"/>
                       </a:rPr>
-                      <m:t>; </m:t>
-                    </m:r>
-                    <m:r>
-                      <m:rPr>
-                        <m:sty m:val="p"/>
-                      </m:rPr>
-                      <a:rPr lang="en-US" altLang="ru-RU" sz="2800">
-                        <a:latin typeface="DejaVu Math TeX Gyre" panose="02000503000000000000" charset="0"/>
-                        <a:cs typeface="DejaVu Math TeX Gyre" panose="02000503000000000000" charset="0"/>
-                        <a:sym typeface="+mn-ea"/>
-                      </a:rPr>
-                      <m:t>q</m:t>
+                      <m:t>𝐪</m:t>
                     </m:r>
                     <m:r>
                       <m:rPr>
@@ -4978,15 +4970,12 @@
                 <a14:m>
                   <m:oMath xmlns:m="http://schemas.openxmlformats.org/officeDocument/2006/math">
                     <m:r>
-                      <m:rPr>
-                        <m:sty m:val="p"/>
-                      </m:rPr>
-                      <a:rPr lang="en-US" altLang="ru-RU" sz="2800">
+                      <a:rPr lang="en-US" altLang="ru-RU" sz="2800" b="1">
                         <a:latin typeface="DejaVu Math TeX Gyre" panose="02000503000000000000" charset="0"/>
                         <a:cs typeface="DejaVu Math TeX Gyre" panose="02000503000000000000" charset="0"/>
                         <a:sym typeface="+mn-ea"/>
                       </a:rPr>
-                      <m:t>x</m:t>
+                      <m:t>𝐱</m:t>
                     </m:r>
                   </m:oMath>
                 </a14:m>
@@ -4994,19 +4983,7 @@
                   <a:rPr lang="ru-RU" altLang="en-US" sz="2800">
                     <a:sym typeface="+mn-ea"/>
                   </a:rPr>
-                  <a:t> и заданные </a:t>
-                </a:r>
-                <a:r>
-                  <a:rPr lang="ru-RU" altLang="en-US" sz="2800">
-                    <a:sym typeface="+mn-ea"/>
-                  </a:rPr>
-                  <a:t>на </a:t>
-                </a:r>
-                <a:r>
-                  <a:rPr lang="ru-RU" altLang="en-US" sz="2800">
-                    <a:sym typeface="+mn-ea"/>
-                  </a:rPr>
-                  <a:t> </a:t>
+                  <a:t> и заданные на  </a:t>
                 </a:r>
                 <a14:m>
                   <m:oMath xmlns:m="http://schemas.openxmlformats.org/officeDocument/2006/math">
@@ -5072,9 +5049,9 @@
                     </m:r>
                     <m:acc>
                       <m:accPr>
-                        <m:chr m:val="̅"/>
+                        <m:chr m:val="̃"/>
                         <m:ctrlPr>
-                          <a:rPr lang="en-US" altLang="ru-RU" sz="2800" i="1">
+                          <a:rPr lang="ru-RU" altLang="en-US" sz="2800" i="1">
                             <a:latin typeface="DejaVu Math TeX Gyre" panose="02000503000000000000" charset="0"/>
                             <a:cs typeface="DejaVu Math TeX Gyre" panose="02000503000000000000" charset="0"/>
                             <a:sym typeface="+mn-ea"/>
@@ -5088,7 +5065,7 @@
                             <a:cs typeface="DejaVu Math TeX Gyre" panose="02000503000000000000" charset="0"/>
                             <a:sym typeface="+mn-ea"/>
                           </a:rPr>
-                          <m:t>𝑁</m:t>
+                          <m:t>𝒩</m:t>
                         </m:r>
                       </m:e>
                     </m:acc>
@@ -5106,10 +5083,154 @@
                         <a:cs typeface="DejaVu Math TeX Gyre" panose="02000503000000000000" charset="0"/>
                         <a:sym typeface="+mn-ea"/>
                       </a:rPr>
-                      <m:t>𝑁</m:t>
+                      <m:t>𝒩</m:t>
                     </m:r>
                   </m:oMath>
                 </a14:m>
+                <a:r>
+                  <a:rPr lang="ru-RU" altLang="en-US" sz="2800">
+                    <a:latin typeface="DejaVu Math TeX Gyre" panose="02000503000000000000" charset="0"/>
+                    <a:cs typeface="DejaVu Math TeX Gyre" panose="02000503000000000000" charset="0"/>
+                    <a:sym typeface="+mn-ea"/>
+                  </a:rPr>
+                  <a:t>;</a:t>
+                </a:r>
+                <a:endParaRPr lang="ru-RU" altLang="en-US" sz="2800">
+                  <a:latin typeface="DejaVu Math TeX Gyre" panose="02000503000000000000" charset="0"/>
+                  <a:cs typeface="DejaVu Math TeX Gyre" panose="02000503000000000000" charset="0"/>
+                  <a:sym typeface="+mn-ea"/>
+                </a:endParaRPr>
+              </a:p>
+              <a:p>
+                <a:pPr>
+                  <a:lnSpc>
+                    <a:spcPct val="100000"/>
+                  </a:lnSpc>
+                </a:pPr>
+                <a14:m>
+                  <m:oMath xmlns:m="http://schemas.openxmlformats.org/officeDocument/2006/math">
+                    <m:acc>
+                      <m:accPr>
+                        <m:chr m:val="̃"/>
+                        <m:ctrlPr>
+                          <a:rPr lang="ru-RU" altLang="en-US" sz="2800" i="1">
+                            <a:latin typeface="DejaVu Math TeX Gyre" panose="02000503000000000000" charset="0"/>
+                            <a:cs typeface="DejaVu Math TeX Gyre" panose="02000503000000000000" charset="0"/>
+                            <a:sym typeface="+mn-ea"/>
+                          </a:rPr>
+                        </m:ctrlPr>
+                      </m:accPr>
+                      <m:e>
+                        <m:r>
+                          <a:rPr lang="en-US" altLang="ru-RU" sz="2800" i="1">
+                            <a:latin typeface="DejaVu Math TeX Gyre" panose="02000503000000000000" charset="0"/>
+                            <a:cs typeface="DejaVu Math TeX Gyre" panose="02000503000000000000" charset="0"/>
+                            <a:sym typeface="+mn-ea"/>
+                          </a:rPr>
+                          <m:t>𝒩</m:t>
+                        </m:r>
+                      </m:e>
+                    </m:acc>
+                    <m:r>
+                      <a:rPr lang="en-US" altLang="ru-RU" sz="2800" i="1">
+                        <a:latin typeface="DejaVu Math TeX Gyre" panose="02000503000000000000" charset="0"/>
+                        <a:cs typeface="DejaVu Math TeX Gyre" panose="02000503000000000000" charset="0"/>
+                        <a:sym typeface="+mn-ea"/>
+                      </a:rPr>
+                      <m:t>∪</m:t>
+                    </m:r>
+                    <m:r>
+                      <a:rPr lang="en-US" altLang="ru-RU" sz="2800" i="1">
+                        <a:latin typeface="DejaVu Math TeX Gyre" panose="02000503000000000000" charset="0"/>
+                        <a:cs typeface="DejaVu Math TeX Gyre" panose="02000503000000000000" charset="0"/>
+                        <a:sym typeface="+mn-ea"/>
+                      </a:rPr>
+                      <m:t>𝒩</m:t>
+                    </m:r>
+                    <m:r>
+                      <a:rPr lang="en-US" altLang="ru-RU" sz="2800" i="1">
+                        <a:latin typeface="DejaVu Math TeX Gyre" panose="02000503000000000000" charset="0"/>
+                        <a:cs typeface="DejaVu Math TeX Gyre" panose="02000503000000000000" charset="0"/>
+                        <a:sym typeface="+mn-ea"/>
+                      </a:rPr>
+                      <m:t>∪</m:t>
+                    </m:r>
+                    <m:acc>
+                      <m:accPr>
+                        <m:chr m:val="̃"/>
+                        <m:ctrlPr>
+                          <a:rPr lang="ru-RU" altLang="en-US" sz="2800" i="1">
+                            <a:latin typeface="DejaVu Math TeX Gyre" panose="02000503000000000000" charset="0"/>
+                            <a:cs typeface="DejaVu Math TeX Gyre" panose="02000503000000000000" charset="0"/>
+                            <a:sym typeface="+mn-ea"/>
+                          </a:rPr>
+                        </m:ctrlPr>
+                      </m:accPr>
+                      <m:e>
+                        <m:r>
+                          <a:rPr lang="en-US" altLang="ru-RU" sz="2800" i="1">
+                            <a:latin typeface="DejaVu Math TeX Gyre" panose="02000503000000000000" charset="0"/>
+                            <a:cs typeface="DejaVu Math TeX Gyre" panose="02000503000000000000" charset="0"/>
+                            <a:sym typeface="+mn-ea"/>
+                          </a:rPr>
+                          <m:t>ℒ</m:t>
+                        </m:r>
+                      </m:e>
+                    </m:acc>
+                    <m:r>
+                      <a:rPr lang="en-US" altLang="ru-RU" sz="2800" i="1">
+                        <a:latin typeface="DejaVu Math TeX Gyre" panose="02000503000000000000" charset="0"/>
+                        <a:cs typeface="DejaVu Math TeX Gyre" panose="02000503000000000000" charset="0"/>
+                        <a:sym typeface="+mn-ea"/>
+                      </a:rPr>
+                      <m:t>∪</m:t>
+                    </m:r>
+                    <m:r>
+                      <a:rPr lang="en-US" altLang="ru-RU" sz="2800" i="1">
+                        <a:latin typeface="DejaVu Math TeX Gyre" panose="02000503000000000000" charset="0"/>
+                        <a:cs typeface="DejaVu Math TeX Gyre" panose="02000503000000000000" charset="0"/>
+                        <a:sym typeface="+mn-ea"/>
+                      </a:rPr>
+                      <m:t>ℒ</m:t>
+                    </m:r>
+                    <m:r>
+                      <a:rPr lang="en-US" altLang="ru-RU" sz="2800" i="1">
+                        <a:latin typeface="DejaVu Math TeX Gyre" panose="02000503000000000000" charset="0"/>
+                        <a:cs typeface="DejaVu Math TeX Gyre" panose="02000503000000000000" charset="0"/>
+                        <a:sym typeface="+mn-ea"/>
+                      </a:rPr>
+                      <m:t>=</m:t>
+                    </m:r>
+                    <m:r>
+                      <a:rPr lang="en-US" altLang="ru-RU" sz="2800" i="1">
+                        <a:latin typeface="DejaVu Math TeX Gyre" panose="02000503000000000000" charset="0"/>
+                        <a:cs typeface="DejaVu Math TeX Gyre" panose="02000503000000000000" charset="0"/>
+                        <a:sym typeface="+mn-ea"/>
+                      </a:rPr>
+                      <m:t>ℐ</m:t>
+                    </m:r>
+                    <m:r>
+                      <a:rPr lang="en-US" altLang="ru-RU" sz="2800" i="1">
+                        <a:latin typeface="DejaVu Math TeX Gyre" panose="02000503000000000000" charset="0"/>
+                        <a:cs typeface="DejaVu Math TeX Gyre" panose="02000503000000000000" charset="0"/>
+                        <a:sym typeface="+mn-ea"/>
+                      </a:rPr>
+                      <m:t>.</m:t>
+                    </m:r>
+                  </m:oMath>
+                </a14:m>
+                <a:endParaRPr lang="en-US" altLang="ru-RU" sz="2800" i="1">
+                  <a:latin typeface="DejaVu Math TeX Gyre" panose="02000503000000000000" charset="0"/>
+                  <a:cs typeface="DejaVu Math TeX Gyre" panose="02000503000000000000" charset="0"/>
+                  <a:sym typeface="+mn-ea"/>
+                </a:endParaRPr>
+              </a:p>
+              <a:p>
+                <a:pPr>
+                  <a:lnSpc>
+                    <a:spcPct val="100000"/>
+                  </a:lnSpc>
+                </a:pPr>
                 <a:endParaRPr lang="ru-RU" altLang="en-US" sz="2800">
                   <a:sym typeface="+mn-ea"/>
                 </a:endParaRPr>
@@ -5147,7 +5268,7 @@
               <a:blipFill rotWithShape="1">
                 <a:blip r:embed="rId1"/>
                 <a:stretch>
-                  <a:fillRect/>
+                  <a:fillRect b="-19003"/>
                 </a:stretch>
               </a:blipFill>
             </p:spPr>
@@ -5387,13 +5508,13 @@
                         <a:latin typeface="DejaVu Math TeX Gyre" panose="02000503000000000000" charset="0"/>
                         <a:cs typeface="DejaVu Math TeX Gyre" panose="02000503000000000000" charset="0"/>
                       </a:rPr>
-                      <m:t>𝐾</m:t>
+                      <m:t>𝒦</m:t>
                     </m:r>
                   </m:oMath>
                 </a14:m>
                 <a:r>
                   <a:rPr lang="ru-RU" altLang="en-US" sz="2800"/>
-                  <a:t> -  множество известных прошлых принятых решений</a:t>
+                  <a:t> -  множество известных прошлых принятых решений;</a:t>
                 </a:r>
                 <a:endParaRPr lang="ru-RU" altLang="en-US" sz="2800"/>
               </a:p>
@@ -5415,7 +5536,7 @@
                             <a:latin typeface="DejaVu Math TeX Gyre" panose="02000503000000000000" charset="0"/>
                             <a:cs typeface="DejaVu Math TeX Gyre" panose="02000503000000000000" charset="0"/>
                           </a:rPr>
-                          <m:t>𝐾</m:t>
+                          <m:t>𝒦</m:t>
                         </m:r>
                       </m:e>
                       <m:sup>
@@ -5441,13 +5562,13 @@
                         <a:latin typeface="DejaVu Math TeX Gyre" panose="02000503000000000000" charset="0"/>
                         <a:cs typeface="DejaVu Math TeX Gyre" panose="02000503000000000000" charset="0"/>
                       </a:rPr>
-                      <m:t>𝐾</m:t>
+                      <m:t>𝒦</m:t>
                     </m:r>
                   </m:oMath>
                 </a14:m>
                 <a:r>
                   <a:rPr lang="ru-RU" altLang="en-US" sz="2800"/>
-                  <a:t> решений, которые были успешны</a:t>
+                  <a:t> решений, которые были успешны;</a:t>
                 </a:r>
                 <a:endParaRPr lang="ru-RU" altLang="en-US" sz="2800"/>
               </a:p>
@@ -5469,7 +5590,7 @@
                             <a:latin typeface="DejaVu Math TeX Gyre" panose="02000503000000000000" charset="0"/>
                             <a:cs typeface="DejaVu Math TeX Gyre" panose="02000503000000000000" charset="0"/>
                           </a:rPr>
-                          <m:t>𝐾</m:t>
+                          <m:t>𝒦</m:t>
                         </m:r>
                       </m:e>
                       <m:sup>
@@ -5494,7 +5615,7 @@
                         <a:latin typeface="DejaVu Math TeX Gyre" panose="02000503000000000000" charset="0"/>
                         <a:cs typeface="DejaVu Math TeX Gyre" panose="02000503000000000000" charset="0"/>
                       </a:rPr>
-                      <m:t>𝐾</m:t>
+                      <m:t>𝒦</m:t>
                     </m:r>
                     <m:r>
                       <a:rPr lang="en-US" altLang="ru-RU" sz="2800" i="1">
@@ -5518,7 +5639,7 @@
                             <a:latin typeface="DejaVu Math TeX Gyre" panose="02000503000000000000" charset="0"/>
                             <a:cs typeface="DejaVu Math TeX Gyre" panose="02000503000000000000" charset="0"/>
                           </a:rPr>
-                          <m:t>𝐾</m:t>
+                          <m:t>𝒦</m:t>
                         </m:r>
                       </m:e>
                       <m:sup>
@@ -5538,7 +5659,7 @@
                     <a:latin typeface="DejaVu Math TeX Gyre" panose="02000503000000000000" charset="0"/>
                     <a:cs typeface="DejaVu Math TeX Gyre" panose="02000503000000000000" charset="0"/>
                   </a:rPr>
-                  <a:t>, т.е. не успешные решения</a:t>
+                  <a:t>, т.е. не успешные решения;</a:t>
                 </a:r>
                 <a:endParaRPr lang="ru-RU" altLang="en-US" sz="2800">
                   <a:latin typeface="DejaVu Math TeX Gyre" panose="02000503000000000000" charset="0"/>
@@ -5553,7 +5674,7 @@
                         <a:latin typeface="DejaVu Math TeX Gyre" panose="02000503000000000000" charset="0"/>
                         <a:cs typeface="DejaVu Math TeX Gyre" panose="02000503000000000000" charset="0"/>
                       </a:rPr>
-                      <m:t>𝑋</m:t>
+                      <m:t>𝒳</m:t>
                     </m:r>
                   </m:oMath>
                 </a14:m>
@@ -5564,14 +5685,11 @@
                 <a14:m>
                   <m:oMath xmlns:m="http://schemas.openxmlformats.org/officeDocument/2006/math">
                     <m:r>
-                      <m:rPr>
-                        <m:sty m:val="p"/>
-                      </m:rPr>
-                      <a:rPr lang="en-US" altLang="ru-RU" sz="2800">
-                        <a:latin typeface="DejaVu Math TeX Gyre" panose="02000503000000000000" charset="0"/>
-                        <a:cs typeface="DejaVu Math TeX Gyre" panose="02000503000000000000" charset="0"/>
-                      </a:rPr>
-                      <m:t>x</m:t>
+                      <a:rPr lang="en-US" altLang="ru-RU" sz="2800" b="1">
+                        <a:latin typeface="DejaVu Math TeX Gyre" panose="02000503000000000000" charset="0"/>
+                        <a:cs typeface="DejaVu Math TeX Gyre" panose="02000503000000000000" charset="0"/>
+                      </a:rPr>
+                      <m:t>𝐱</m:t>
                     </m:r>
                   </m:oMath>
                 </a14:m>
@@ -5760,10 +5878,17 @@
                   <a:rPr lang="ru-RU" altLang="en-US" sz="2800"/>
                   <a:t>1) Существует подмножество </a:t>
                 </a:r>
-                <a:r>
-                  <a:rPr lang="ru-RU" altLang="en-US" sz="2800" i="1"/>
-                  <a:t>Q</a:t>
-                </a:r>
+                <a14:m>
+                  <m:oMath xmlns:m="http://schemas.openxmlformats.org/officeDocument/2006/math">
+                    <m:r>
+                      <a:rPr lang="en-US" altLang="ru-RU" sz="2800" i="1">
+                        <a:latin typeface="DejaVu Math TeX Gyre" panose="02000503000000000000" charset="0"/>
+                        <a:cs typeface="DejaVu Math TeX Gyre" panose="02000503000000000000" charset="0"/>
+                      </a:rPr>
+                      <m:t>𝒬</m:t>
+                    </m:r>
+                  </m:oMath>
+                </a14:m>
                 <a:r>
                   <a:rPr lang="ru-RU" altLang="en-US" sz="2800"/>
                   <a:t>, такое, что для любого его элемента </a:t>
@@ -5771,15 +5896,12 @@
                 <a14:m>
                   <m:oMath xmlns:m="http://schemas.openxmlformats.org/officeDocument/2006/math">
                     <m:r>
-                      <m:rPr>
-                        <m:sty m:val="p"/>
-                      </m:rPr>
-                      <a:rPr lang="en-US" altLang="ru-RU" sz="2800">
+                      <a:rPr lang="en-US" altLang="ru-RU" sz="2800" b="1">
                         <a:latin typeface="DejaVu Math TeX Gyre" panose="02000503000000000000" charset="0"/>
                         <a:cs typeface="DejaVu Math TeX Gyre" panose="02000503000000000000" charset="0"/>
                         <a:sym typeface="+mn-ea"/>
                       </a:rPr>
-                      <m:t>q</m:t>
+                      <m:t>𝐪</m:t>
                     </m:r>
                     <m:r>
                       <m:rPr>
@@ -5801,15 +5923,12 @@
                 <a14:m>
                   <m:oMath xmlns:m="http://schemas.openxmlformats.org/officeDocument/2006/math">
                     <m:r>
-                      <m:rPr>
-                        <m:sty m:val="p"/>
-                      </m:rPr>
-                      <a:rPr lang="en-US" altLang="ru-RU" sz="2800">
+                      <a:rPr lang="en-US" altLang="ru-RU" sz="2800" i="1">
                         <a:latin typeface="DejaVu Math TeX Gyre" panose="02000503000000000000" charset="0"/>
                         <a:cs typeface="DejaVu Math TeX Gyre" panose="02000503000000000000" charset="0"/>
                         <a:sym typeface="+mn-ea"/>
                       </a:rPr>
-                      <m:t>g</m:t>
+                      <m:t>𝑔</m:t>
                     </m:r>
                     <m:r>
                       <m:rPr>
@@ -5831,34 +5950,28 @@
                       <m:t>(</m:t>
                     </m:r>
                     <m:r>
-                      <m:rPr>
-                        <m:sty m:val="p"/>
-                      </m:rPr>
+                      <a:rPr lang="en-US" altLang="ru-RU" sz="2800" b="1">
+                        <a:latin typeface="DejaVu Math TeX Gyre" panose="02000503000000000000" charset="0"/>
+                        <a:cs typeface="DejaVu Math TeX Gyre" panose="02000503000000000000" charset="0"/>
+                        <a:sym typeface="+mn-ea"/>
+                      </a:rPr>
+                      <m:t>𝐱</m:t>
+                    </m:r>
+                    <m:r>
                       <a:rPr lang="en-US" altLang="ru-RU" sz="2800">
                         <a:latin typeface="DejaVu Math TeX Gyre" panose="02000503000000000000" charset="0"/>
                         <a:cs typeface="DejaVu Math TeX Gyre" panose="02000503000000000000" charset="0"/>
                         <a:sym typeface="+mn-ea"/>
                       </a:rPr>
-                      <m:t>x</m:t>
-                    </m:r>
-                    <m:r>
-                      <a:rPr lang="en-US" altLang="ru-RU" sz="2800">
+                      <m:t>; </m:t>
+                    </m:r>
+                    <m:r>
+                      <a:rPr lang="en-US" altLang="ru-RU" sz="2800" b="1">
                         <a:latin typeface="DejaVu Math TeX Gyre" panose="02000503000000000000" charset="0"/>
                         <a:cs typeface="DejaVu Math TeX Gyre" panose="02000503000000000000" charset="0"/>
                         <a:sym typeface="+mn-ea"/>
                       </a:rPr>
-                      <m:t>; </m:t>
-                    </m:r>
-                    <m:r>
-                      <m:rPr>
-                        <m:sty m:val="p"/>
-                      </m:rPr>
-                      <a:rPr lang="en-US" altLang="ru-RU" sz="2800">
-                        <a:latin typeface="DejaVu Math TeX Gyre" panose="02000503000000000000" charset="0"/>
-                        <a:cs typeface="DejaVu Math TeX Gyre" panose="02000503000000000000" charset="0"/>
-                        <a:sym typeface="+mn-ea"/>
-                      </a:rPr>
-                      <m:t>q</m:t>
+                      <m:t>𝐪</m:t>
                     </m:r>
                     <m:r>
                       <m:rPr>
@@ -5888,15 +6001,12 @@
                 <a14:m>
                   <m:oMath xmlns:m="http://schemas.openxmlformats.org/officeDocument/2006/math">
                     <m:r>
-                      <m:rPr>
-                        <m:sty m:val="p"/>
-                      </m:rPr>
-                      <a:rPr lang="en-US" altLang="ru-RU" sz="2800">
+                      <a:rPr lang="en-US" altLang="ru-RU" sz="2800" b="1">
                         <a:latin typeface="DejaVu Math TeX Gyre" panose="02000503000000000000" charset="0"/>
                         <a:cs typeface="DejaVu Math TeX Gyre" panose="02000503000000000000" charset="0"/>
                         <a:sym typeface="+mn-ea"/>
                       </a:rPr>
-                      <m:t>x</m:t>
+                      <m:t>𝐱</m:t>
                     </m:r>
                   </m:oMath>
                 </a14:m>
@@ -5913,7 +6023,7 @@
                     <m:sSub>
                       <m:sSubPr>
                         <m:ctrlPr>
-                          <a:rPr lang="en-US" altLang="ru-RU" sz="2800">
+                          <a:rPr lang="en-US" altLang="ru-RU" sz="2800" b="1">
                             <a:latin typeface="DejaVu Math TeX Gyre" panose="02000503000000000000" charset="0"/>
                             <a:cs typeface="DejaVu Math TeX Gyre" panose="02000503000000000000" charset="0"/>
                             <a:sym typeface="+mn-ea"/>
@@ -5922,15 +6032,12 @@
                       </m:sSubPr>
                       <m:e>
                         <m:r>
-                          <m:rPr>
-                            <m:sty m:val="p"/>
-                          </m:rPr>
-                          <a:rPr lang="en-US" altLang="ru-RU" sz="2800">
+                          <a:rPr lang="en-US" altLang="ru-RU" sz="2800" b="1">
                             <a:latin typeface="DejaVu Math TeX Gyre" panose="02000503000000000000" charset="0"/>
                             <a:cs typeface="DejaVu Math TeX Gyre" panose="02000503000000000000" charset="0"/>
                             <a:sym typeface="+mn-ea"/>
                           </a:rPr>
-                          <m:t>x</m:t>
+                          <m:t>𝐱</m:t>
                         </m:r>
                       </m:e>
                       <m:sub>
@@ -5974,7 +6081,7 @@
                             <a:latin typeface="DejaVu Math TeX Gyre" panose="02000503000000000000" charset="0"/>
                             <a:cs typeface="DejaVu Math TeX Gyre" panose="02000503000000000000" charset="0"/>
                           </a:rPr>
-                          <m:t>𝐾</m:t>
+                          <m:t>𝒦</m:t>
                         </m:r>
                       </m:e>
                       <m:sup>
@@ -6000,15 +6107,12 @@
                 <a14:m>
                   <m:oMath xmlns:m="http://schemas.openxmlformats.org/officeDocument/2006/math">
                     <m:r>
-                      <m:rPr>
-                        <m:sty m:val="p"/>
-                      </m:rPr>
-                      <a:rPr lang="en-US" altLang="ru-RU" sz="2800">
+                      <a:rPr lang="en-US" altLang="ru-RU" sz="2800" i="1">
                         <a:latin typeface="DejaVu Math TeX Gyre" panose="02000503000000000000" charset="0"/>
                         <a:cs typeface="DejaVu Math TeX Gyre" panose="02000503000000000000" charset="0"/>
                         <a:sym typeface="+mn-ea"/>
                       </a:rPr>
-                      <m:t>g</m:t>
+                      <m:t>𝑔</m:t>
                     </m:r>
                     <m:r>
                       <m:rPr>
@@ -6041,15 +6145,12 @@
                       </m:sSubPr>
                       <m:e>
                         <m:r>
-                          <m:rPr>
-                            <m:sty m:val="p"/>
-                          </m:rPr>
-                          <a:rPr lang="en-US" altLang="ru-RU" sz="2800">
+                          <a:rPr lang="en-US" altLang="ru-RU" sz="2800" b="1">
                             <a:latin typeface="DejaVu Math TeX Gyre" panose="02000503000000000000" charset="0"/>
                             <a:cs typeface="DejaVu Math TeX Gyre" panose="02000503000000000000" charset="0"/>
                             <a:sym typeface="+mn-ea"/>
                           </a:rPr>
-                          <m:t>x</m:t>
+                          <m:t>𝐱</m:t>
                         </m:r>
                       </m:e>
                       <m:sub>
@@ -6075,15 +6176,12 @@
                       <m:t>; </m:t>
                     </m:r>
                     <m:r>
-                      <m:rPr>
-                        <m:sty m:val="p"/>
-                      </m:rPr>
-                      <a:rPr lang="en-US" altLang="ru-RU" sz="2800">
+                      <a:rPr lang="en-US" altLang="ru-RU" sz="2800" b="1">
                         <a:latin typeface="DejaVu Math TeX Gyre" panose="02000503000000000000" charset="0"/>
                         <a:cs typeface="DejaVu Math TeX Gyre" panose="02000503000000000000" charset="0"/>
                         <a:sym typeface="+mn-ea"/>
                       </a:rPr>
-                      <m:t>q</m:t>
+                      <m:t>𝐪</m:t>
                     </m:r>
                     <m:r>
                       <m:rPr>
@@ -6110,7 +6208,15 @@
                         <a:cs typeface="DejaVu Math TeX Gyre" panose="02000503000000000000" charset="0"/>
                         <a:sym typeface="+mn-ea"/>
                       </a:rPr>
-                      <m:t>≥0</m:t>
+                      <m:t>≥</m:t>
+                    </m:r>
+                    <m:r>
+                      <a:rPr lang="en-US" altLang="ru-RU" sz="2800">
+                        <a:latin typeface="DejaVu Math TeX Gyre" panose="02000503000000000000" charset="0"/>
+                        <a:cs typeface="DejaVu Math TeX Gyre" panose="02000503000000000000" charset="0"/>
+                        <a:sym typeface="+mn-ea"/>
+                      </a:rPr>
+                      <m:t>0</m:t>
                     </m:r>
                   </m:oMath>
                 </a14:m>
@@ -6163,7 +6269,7 @@
                             <a:latin typeface="DejaVu Math TeX Gyre" panose="02000503000000000000" charset="0"/>
                             <a:cs typeface="DejaVu Math TeX Gyre" panose="02000503000000000000" charset="0"/>
                           </a:rPr>
-                          <m:t>𝐾</m:t>
+                          <m:t>𝒦</m:t>
                         </m:r>
                       </m:e>
                       <m:sup>
@@ -6189,7 +6295,7 @@
                         <a:latin typeface="DejaVu Math TeX Gyre" panose="02000503000000000000" charset="0"/>
                         <a:cs typeface="DejaVu Math TeX Gyre" panose="02000503000000000000" charset="0"/>
                       </a:rPr>
-                      <m:t>𝑋</m:t>
+                      <m:t>𝒳</m:t>
                     </m:r>
                     <m:r>
                       <a:rPr lang="en-US" altLang="ru-RU" sz="2800" i="1">
@@ -6232,7 +6338,7 @@
                             <a:latin typeface="DejaVu Math TeX Gyre" panose="02000503000000000000" charset="0"/>
                             <a:cs typeface="DejaVu Math TeX Gyre" panose="02000503000000000000" charset="0"/>
                           </a:rPr>
-                          <m:t>𝐾</m:t>
+                          <m:t>𝒦</m:t>
                         </m:r>
                       </m:e>
                       <m:sup>
@@ -6270,7 +6376,7 @@
                             <a:latin typeface="DejaVu Math TeX Gyre" panose="02000503000000000000" charset="0"/>
                             <a:cs typeface="DejaVu Math TeX Gyre" panose="02000503000000000000" charset="0"/>
                           </a:rPr>
-                          <m:t>𝐾</m:t>
+                          <m:t>𝒦</m:t>
                         </m:r>
                       </m:e>
                       <m:sup>
@@ -6285,6 +6391,13 @@
                     </m:sSup>
                   </m:oMath>
                 </a14:m>
+                <a:r>
+                  <a:rPr lang="ru-RU" altLang="en-US" sz="2800">
+                    <a:latin typeface="DejaVu Math TeX Gyre" panose="02000503000000000000" charset="0"/>
+                    <a:cs typeface="DejaVu Math TeX Gyre" panose="02000503000000000000" charset="0"/>
+                  </a:rPr>
+                  <a:t>.</a:t>
+                </a:r>
                 <a:endParaRPr lang="ru-RU" altLang="en-US" sz="2800"/>
               </a:p>
               <a:p>
@@ -6312,7 +6425,7 @@
                             <a:latin typeface="DejaVu Math TeX Gyre" panose="02000503000000000000" charset="0"/>
                             <a:cs typeface="DejaVu Math TeX Gyre" panose="02000503000000000000" charset="0"/>
                           </a:rPr>
-                          <m:t>𝐾</m:t>
+                          <m:t>𝒦</m:t>
                         </m:r>
                       </m:e>
                       <m:sup>
@@ -6344,9 +6457,8 @@
                       <a:rPr lang="en-US" altLang="ru-RU" sz="2800" i="1">
                         <a:latin typeface="DejaVu Math TeX Gyre" panose="02000503000000000000" charset="0"/>
                         <a:cs typeface="DejaVu Math TeX Gyre" panose="02000503000000000000" charset="0"/>
-                        <a:sym typeface="+mn-ea"/>
-                      </a:rPr>
-                      <m:t>𝐻</m:t>
+                      </a:rPr>
+                      <m:t>ℋ</m:t>
                     </m:r>
                   </m:oMath>
                 </a14:m>
@@ -6385,14 +6497,11 @@
                       </m:sSubPr>
                       <m:e>
                         <m:r>
-                          <m:rPr>
-                            <m:sty m:val="p"/>
-                          </m:rPr>
-                          <a:rPr lang="en-US" altLang="ru-RU" sz="2800">
+                          <a:rPr lang="en-US" altLang="ru-RU" sz="2800" b="1">
                             <a:latin typeface="DejaVu Math TeX Gyre" panose="02000503000000000000" charset="0"/>
                             <a:cs typeface="DejaVu Math TeX Gyre" panose="02000503000000000000" charset="0"/>
                           </a:rPr>
-                          <m:t>x</m:t>
+                          <m:t>𝐱</m:t>
                         </m:r>
                       </m:e>
                       <m:sub>
@@ -6421,7 +6530,7 @@
                         <a:cs typeface="DejaVu Math TeX Gyre" panose="02000503000000000000" charset="0"/>
                         <a:sym typeface="+mn-ea"/>
                       </a:rPr>
-                      <m:t>𝐻</m:t>
+                      <m:t>ℋ</m:t>
                     </m:r>
                   </m:oMath>
                 </a14:m>
@@ -6581,11 +6690,12 @@
                   <m:oMath xmlns:m="http://schemas.openxmlformats.org/officeDocument/2006/math">
                     <m:acc>
                       <m:accPr>
-                        <m:chr m:val="̅"/>
+                        <m:chr m:val="̃"/>
                         <m:ctrlPr>
-                          <a:rPr lang="en-US" altLang="ru-RU" sz="2800" i="1">
+                          <a:rPr lang="ru-RU" altLang="en-US" sz="2800" i="1">
                             <a:latin typeface="DejaVu Math TeX Gyre" panose="02000503000000000000" charset="0"/>
                             <a:cs typeface="DejaVu Math TeX Gyre" panose="02000503000000000000" charset="0"/>
+                            <a:sym typeface="+mn-ea"/>
                           </a:rPr>
                         </m:ctrlPr>
                       </m:accPr>
@@ -6594,8 +6704,9 @@
                           <a:rPr lang="en-US" altLang="ru-RU" sz="2800" i="1">
                             <a:latin typeface="DejaVu Math TeX Gyre" panose="02000503000000000000" charset="0"/>
                             <a:cs typeface="DejaVu Math TeX Gyre" panose="02000503000000000000" charset="0"/>
+                            <a:sym typeface="+mn-ea"/>
                           </a:rPr>
-                          <m:t>𝑋</m:t>
+                          <m:t>𝒳</m:t>
                         </m:r>
                       </m:e>
                     </m:acc>
@@ -6612,7 +6723,7 @@
                         <a:latin typeface="DejaVu Math TeX Gyre" panose="02000503000000000000" charset="0"/>
                         <a:cs typeface="DejaVu Math TeX Gyre" panose="02000503000000000000" charset="0"/>
                       </a:rPr>
-                      <m:t>𝑋</m:t>
+                      <m:t>𝒳</m:t>
                     </m:r>
                   </m:oMath>
                 </a14:m>
@@ -6637,7 +6748,7 @@
                             <a:latin typeface="DejaVu Math TeX Gyre" panose="02000503000000000000" charset="0"/>
                             <a:cs typeface="DejaVu Math TeX Gyre" panose="02000503000000000000" charset="0"/>
                           </a:rPr>
-                          <m:t>𝐾</m:t>
+                          <m:t>𝒦</m:t>
                         </m:r>
                       </m:e>
                       <m:sup>
@@ -6673,7 +6784,7 @@
                             <a:latin typeface="DejaVu Math TeX Gyre" panose="02000503000000000000" charset="0"/>
                             <a:cs typeface="DejaVu Math TeX Gyre" panose="02000503000000000000" charset="0"/>
                           </a:rPr>
-                          <m:t>𝐾</m:t>
+                          <m:t>𝒦</m:t>
                         </m:r>
                       </m:e>
                       <m:sup>
@@ -6712,11 +6823,12 @@
                   <m:oMath xmlns:m="http://schemas.openxmlformats.org/officeDocument/2006/math">
                     <m:acc>
                       <m:accPr>
-                        <m:chr m:val="̅"/>
+                        <m:chr m:val="̃"/>
                         <m:ctrlPr>
-                          <a:rPr lang="en-US" altLang="ru-RU" sz="2800" i="1">
+                          <a:rPr lang="ru-RU" altLang="en-US" sz="2800" i="1">
                             <a:latin typeface="DejaVu Math TeX Gyre" panose="02000503000000000000" charset="0"/>
                             <a:cs typeface="DejaVu Math TeX Gyre" panose="02000503000000000000" charset="0"/>
+                            <a:sym typeface="+mn-ea"/>
                           </a:rPr>
                         </m:ctrlPr>
                       </m:accPr>
@@ -6725,8 +6837,9 @@
                           <a:rPr lang="en-US" altLang="ru-RU" sz="2800" i="1">
                             <a:latin typeface="DejaVu Math TeX Gyre" panose="02000503000000000000" charset="0"/>
                             <a:cs typeface="DejaVu Math TeX Gyre" panose="02000503000000000000" charset="0"/>
+                            <a:sym typeface="+mn-ea"/>
                           </a:rPr>
-                          <m:t>𝑋</m:t>
+                          <m:t>𝒳</m:t>
                         </m:r>
                       </m:e>
                     </m:acc>
@@ -6741,8 +6854,9 @@
                       <a:rPr lang="en-US" altLang="ru-RU" sz="2800" i="1">
                         <a:latin typeface="DejaVu Math TeX Gyre" panose="02000503000000000000" charset="0"/>
                         <a:cs typeface="DejaVu Math TeX Gyre" panose="02000503000000000000" charset="0"/>
-                      </a:rPr>
-                      <m:t>𝑋</m:t>
+                        <a:sym typeface="+mn-ea"/>
+                      </a:rPr>
+                      <m:t>𝒳</m:t>
                     </m:r>
                   </m:oMath>
                 </a14:m>
@@ -6757,14 +6871,7 @@
                   <a:rPr lang="ru-RU" altLang="en-US" sz="2800">
                     <a:sym typeface="+mn-ea"/>
                   </a:rPr>
-                  <a:t>задает множество решений прямой задачи</a:t>
-                </a:r>
-                <a:r>
-                  <a:rPr lang="ru-RU" altLang="en-US" sz="2800" i="1">
-                    <a:latin typeface="DejaVu Math TeX Gyre" panose="02000503000000000000" charset="0"/>
-                    <a:cs typeface="DejaVu Math TeX Gyre" panose="02000503000000000000" charset="0"/>
-                  </a:rPr>
-                  <a:t> </a:t>
+                  <a:t>задает множество решений прямой задачи.</a:t>
                 </a:r>
                 <a:endParaRPr lang="en-US" altLang="ru-RU" sz="2800" i="1">
                   <a:latin typeface="DejaVu Math TeX Gyre" panose="02000503000000000000" charset="0"/>
@@ -6782,12 +6889,26 @@
                 </a:r>
                 <a:r>
                   <a:rPr lang="ru-RU" altLang="en-US" sz="2800"/>
-                  <a:t>ограничений, что множество, которое задается ими - номинальное множество, а заданный x</a:t>
-                </a:r>
-                <a:r>
-                  <a:rPr lang="ru-RU" altLang="en-US" sz="2800" baseline="-25000"/>
-                  <a:t>0</a:t>
-                </a:r>
+                  <a:t>ограничений, что множество, которое задается ими - номинальное множество, а заданный </a:t>
+                </a:r>
+                <a14:m>
+                  <m:oMath xmlns:m="http://schemas.openxmlformats.org/officeDocument/2006/math">
+                    <m:r>
+                      <a:rPr lang="en-US" altLang="ru-RU" sz="2800" b="1">
+                        <a:latin typeface="DejaVu Math TeX Gyre" panose="02000503000000000000" charset="0"/>
+                        <a:cs typeface="DejaVu Math TeX Gyre" panose="02000503000000000000" charset="0"/>
+                      </a:rPr>
+                      <m:t>𝐱</m:t>
+                    </m:r>
+                    <m:r>
+                      <a:rPr lang="en-US" altLang="ru-RU" sz="2800" baseline="-25000">
+                        <a:latin typeface="DejaVu Math TeX Gyre" panose="02000503000000000000" charset="0"/>
+                        <a:cs typeface="DejaVu Math TeX Gyre" panose="02000503000000000000" charset="0"/>
+                      </a:rPr>
+                      <m:t>0</m:t>
+                    </m:r>
+                  </m:oMath>
+                </a14:m>
                 <a:r>
                   <a:rPr lang="ru-RU" altLang="en-US" sz="2800"/>
                   <a:t> - предпочтительное решение.</a:t>
@@ -6976,7 +7097,7 @@
       </p:sp>
       <p:pic>
         <p:nvPicPr>
-          <p:cNvPr id="3" name="Picture 2"/>
+          <p:cNvPr id="4" name="Picture 3"/>
           <p:cNvPicPr>
             <a:picLocks noChangeAspect="1"/>
           </p:cNvPicPr>
@@ -6990,8 +7111,8 @@
         </p:blipFill>
         <p:spPr>
           <a:xfrm>
-            <a:off x="122555" y="1173480"/>
-            <a:ext cx="11946890" cy="4511040"/>
+            <a:off x="194310" y="1268730"/>
+            <a:ext cx="11804650" cy="4319905"/>
           </a:xfrm>
           <a:prstGeom prst="rect">
             <a:avLst/>

--- a/docs/presentations/Data-Driven Inverse Optimization.pptx
+++ b/docs/presentations/Data-Driven Inverse Optimization.pptx
@@ -5,10 +5,10 @@
     <p:sldMasterId id="2147483648" r:id="rId1"/>
   </p:sldMasterIdLst>
   <p:notesMasterIdLst>
-    <p:notesMasterId r:id="rId17"/>
+    <p:notesMasterId r:id="rId20"/>
   </p:notesMasterIdLst>
   <p:handoutMasterIdLst>
-    <p:handoutMasterId r:id="rId18"/>
+    <p:handoutMasterId r:id="rId21"/>
   </p:handoutMasterIdLst>
   <p:sldIdLst>
     <p:sldId id="256" r:id="rId3"/>
@@ -17,14 +17,17 @@
     <p:sldId id="260" r:id="rId6"/>
     <p:sldId id="259" r:id="rId7"/>
     <p:sldId id="261" r:id="rId8"/>
-    <p:sldId id="262" r:id="rId9"/>
-    <p:sldId id="263" r:id="rId10"/>
-    <p:sldId id="264" r:id="rId11"/>
-    <p:sldId id="266" r:id="rId12"/>
-    <p:sldId id="267" r:id="rId13"/>
-    <p:sldId id="268" r:id="rId14"/>
-    <p:sldId id="269" r:id="rId15"/>
-    <p:sldId id="270" r:id="rId16"/>
+    <p:sldId id="272" r:id="rId9"/>
+    <p:sldId id="273" r:id="rId10"/>
+    <p:sldId id="262" r:id="rId11"/>
+    <p:sldId id="263" r:id="rId12"/>
+    <p:sldId id="264" r:id="rId13"/>
+    <p:sldId id="266" r:id="rId14"/>
+    <p:sldId id="267" r:id="rId15"/>
+    <p:sldId id="274" r:id="rId16"/>
+    <p:sldId id="268" r:id="rId17"/>
+    <p:sldId id="269" r:id="rId18"/>
+    <p:sldId id="270" r:id="rId19"/>
   </p:sldIdLst>
   <p:sldSz cx="12192000" cy="6858000"/>
   <p:notesSz cx="7103745" cy="10234295"/>
@@ -3620,6 +3623,162 @@
               <a:rPr lang="ru-RU" altLang="en-US" sz="4400" b="0">
                 <a:sym typeface="+mn-ea"/>
               </a:rPr>
+              <a:t>Постановка задачи </a:t>
+            </a:r>
+            <a:r>
+              <a:rPr lang="ru-RU" altLang="en-US" sz="4400" b="0">
+                <a:sym typeface="+mn-ea"/>
+              </a:rPr>
+              <a:t>DIO</a:t>
+            </a:r>
+            <a:r>
+              <a:rPr lang="ru-RU" altLang="en-US" sz="4400" b="0">
+                <a:sym typeface="+mn-ea"/>
+              </a:rPr>
+              <a:t> </a:t>
+            </a:r>
+            <a:endParaRPr lang="en-US"/>
+          </a:p>
+        </p:txBody>
+      </p:sp>
+      <p:pic>
+        <p:nvPicPr>
+          <p:cNvPr id="4" name="Picture 3"/>
+          <p:cNvPicPr>
+            <a:picLocks noChangeAspect="1"/>
+          </p:cNvPicPr>
+          <p:nvPr/>
+        </p:nvPicPr>
+        <p:blipFill>
+          <a:blip r:embed="rId1"/>
+          <a:stretch>
+            <a:fillRect/>
+          </a:stretch>
+        </p:blipFill>
+        <p:spPr>
+          <a:xfrm>
+            <a:off x="194310" y="1268730"/>
+            <a:ext cx="11804650" cy="4319905"/>
+          </a:xfrm>
+          <a:prstGeom prst="rect">
+            <a:avLst/>
+          </a:prstGeom>
+        </p:spPr>
+      </p:pic>
+    </p:spTree>
+  </p:cSld>
+  <p:clrMapOvr>
+    <a:masterClrMapping/>
+  </p:clrMapOvr>
+</p:sld>
+</file>
+
+<file path=ppt/slides/slide11.xml><?xml version="1.0" encoding="utf-8"?>
+<p:sld xmlns:a="http://schemas.openxmlformats.org/drawingml/2006/main" xmlns:r="http://schemas.openxmlformats.org/officeDocument/2006/relationships" xmlns:p="http://schemas.openxmlformats.org/presentationml/2006/main">
+  <p:cSld>
+    <p:spTree>
+      <p:nvGrpSpPr>
+        <p:cNvPr id="1" name=""/>
+        <p:cNvGrpSpPr/>
+        <p:nvPr/>
+      </p:nvGrpSpPr>
+      <p:grpSpPr/>
+      <p:sp>
+        <p:nvSpPr>
+          <p:cNvPr id="2" name="Title 1"/>
+          <p:cNvSpPr>
+            <a:spLocks noGrp="1"/>
+          </p:cNvSpPr>
+          <p:nvPr>
+            <p:ph type="title"/>
+          </p:nvPr>
+        </p:nvSpPr>
+        <p:spPr/>
+        <p:txBody>
+          <a:bodyPr/>
+          <a:p>
+            <a:r>
+              <a:rPr lang="ru-RU" altLang="en-US" sz="4400" b="0">
+                <a:sym typeface="+mn-ea"/>
+              </a:rPr>
+              <a:t>Постановка задачи </a:t>
+            </a:r>
+            <a:r>
+              <a:rPr lang="ru-RU" altLang="en-US" sz="4400" b="0">
+                <a:sym typeface="+mn-ea"/>
+              </a:rPr>
+              <a:t>DIO</a:t>
+            </a:r>
+            <a:r>
+              <a:rPr lang="ru-RU" altLang="en-US" sz="4400" b="0">
+                <a:sym typeface="+mn-ea"/>
+              </a:rPr>
+              <a:t> </a:t>
+            </a:r>
+            <a:endParaRPr lang="en-US"/>
+          </a:p>
+        </p:txBody>
+      </p:sp>
+      <p:pic>
+        <p:nvPicPr>
+          <p:cNvPr id="4" name="Picture 3"/>
+          <p:cNvPicPr>
+            <a:picLocks noChangeAspect="1"/>
+          </p:cNvPicPr>
+          <p:nvPr/>
+        </p:nvPicPr>
+        <p:blipFill>
+          <a:blip r:embed="rId1"/>
+          <a:stretch>
+            <a:fillRect/>
+          </a:stretch>
+        </p:blipFill>
+        <p:spPr>
+          <a:xfrm>
+            <a:off x="334010" y="1802130"/>
+            <a:ext cx="11523980" cy="3253740"/>
+          </a:xfrm>
+          <a:prstGeom prst="rect">
+            <a:avLst/>
+          </a:prstGeom>
+        </p:spPr>
+      </p:pic>
+    </p:spTree>
+  </p:cSld>
+  <p:clrMapOvr>
+    <a:masterClrMapping/>
+  </p:clrMapOvr>
+</p:sld>
+</file>
+
+<file path=ppt/slides/slide12.xml><?xml version="1.0" encoding="utf-8"?>
+<p:sld xmlns:a="http://schemas.openxmlformats.org/drawingml/2006/main" xmlns:r="http://schemas.openxmlformats.org/officeDocument/2006/relationships" xmlns:p="http://schemas.openxmlformats.org/presentationml/2006/main">
+  <p:cSld>
+    <p:spTree>
+      <p:nvGrpSpPr>
+        <p:cNvPr id="1" name=""/>
+        <p:cNvGrpSpPr/>
+        <p:nvPr/>
+      </p:nvGrpSpPr>
+      <p:grpSpPr/>
+      <p:sp>
+        <p:nvSpPr>
+          <p:cNvPr id="2" name="Title 1"/>
+          <p:cNvSpPr>
+            <a:spLocks noGrp="1"/>
+          </p:cNvSpPr>
+          <p:nvPr>
+            <p:ph type="title"/>
+          </p:nvPr>
+        </p:nvSpPr>
+        <p:spPr/>
+        <p:txBody>
+          <a:bodyPr/>
+          <a:p>
+            <a:r>
+              <a:rPr lang="ru-RU" altLang="en-US" sz="4400" b="0">
+                <a:sym typeface="+mn-ea"/>
+              </a:rPr>
               <a:t>Постановка задачи R</a:t>
             </a:r>
             <a:r>
@@ -3851,7 +4010,7 @@
 </p:sld>
 </file>
 
-<file path=ppt/slides/slide11.xml><?xml version="1.0" encoding="utf-8"?>
+<file path=ppt/slides/slide13.xml><?xml version="1.0" encoding="utf-8"?>
 <p:sld xmlns:a="http://schemas.openxmlformats.org/drawingml/2006/main" xmlns:r="http://schemas.openxmlformats.org/officeDocument/2006/relationships" xmlns:p="http://schemas.openxmlformats.org/presentationml/2006/main">
   <p:cSld>
     <p:spTree>
@@ -3924,7 +4083,7 @@
                   <a:rPr lang="ru-RU" sz="2800">
                     <a:sym typeface="+mn-ea"/>
                   </a:rPr>
-                  <a:t>Рассмотрим касательную, проведенную к целевой функции в точке максимума.</a:t>
+                  <a:t>Рассмотрим касательную, проведенную к целевой функции в точке минимума.</a:t>
                 </a:r>
                 <a:endParaRPr lang="ru-RU" sz="2800">
                   <a:sym typeface="+mn-ea"/>
@@ -3956,7 +4115,7 @@
                   <a:rPr lang="ru-RU" sz="2800">
                     <a:sym typeface="+mn-ea"/>
                   </a:rPr>
-                  <a:t> полуплоскость, отсекаемую этой касательной, которая находится в направлении антиградиента.</a:t>
+                  <a:t> полуплоскость, отсекаемую этой касательной, которая находится в направлении антиградиента от касательной.</a:t>
                 </a:r>
                 <a:endParaRPr lang="ru-RU" sz="2800">
                   <a:sym typeface="+mn-ea"/>
@@ -4235,7 +4394,85 @@
 </p:sld>
 </file>
 
-<file path=ppt/slides/slide12.xml><?xml version="1.0" encoding="utf-8"?>
+<file path=ppt/slides/slide14.xml><?xml version="1.0" encoding="utf-8"?>
+<p:sld xmlns:a="http://schemas.openxmlformats.org/drawingml/2006/main" xmlns:r="http://schemas.openxmlformats.org/officeDocument/2006/relationships" xmlns:p="http://schemas.openxmlformats.org/presentationml/2006/main">
+  <p:cSld>
+    <p:spTree>
+      <p:nvGrpSpPr>
+        <p:cNvPr id="1" name=""/>
+        <p:cNvGrpSpPr/>
+        <p:nvPr/>
+      </p:nvGrpSpPr>
+      <p:grpSpPr/>
+      <p:sp>
+        <p:nvSpPr>
+          <p:cNvPr id="2" name="Title 1"/>
+          <p:cNvSpPr>
+            <a:spLocks noGrp="1"/>
+          </p:cNvSpPr>
+          <p:nvPr>
+            <p:ph type="title"/>
+          </p:nvPr>
+        </p:nvSpPr>
+        <p:spPr/>
+        <p:txBody>
+          <a:bodyPr/>
+          <a:p>
+            <a:r>
+              <a:rPr lang="ru-RU" altLang="en-US" sz="4400" b="0">
+                <a:sym typeface="+mn-ea"/>
+              </a:rPr>
+              <a:t>Постановка задачи R</a:t>
+            </a:r>
+            <a:r>
+              <a:rPr lang="ru-RU" altLang="en-US" sz="4400" b="0">
+                <a:sym typeface="+mn-ea"/>
+              </a:rPr>
+              <a:t>DIO</a:t>
+            </a:r>
+            <a:r>
+              <a:rPr lang="ru-RU" altLang="en-US" sz="4400" b="0">
+                <a:sym typeface="+mn-ea"/>
+              </a:rPr>
+              <a:t> </a:t>
+            </a:r>
+            <a:endParaRPr lang="en-US"/>
+          </a:p>
+        </p:txBody>
+      </p:sp>
+      <p:pic>
+        <p:nvPicPr>
+          <p:cNvPr id="4" name="Picture 3"/>
+          <p:cNvPicPr>
+            <a:picLocks noChangeAspect="1"/>
+          </p:cNvPicPr>
+          <p:nvPr/>
+        </p:nvPicPr>
+        <p:blipFill>
+          <a:blip r:embed="rId1"/>
+          <a:stretch>
+            <a:fillRect/>
+          </a:stretch>
+        </p:blipFill>
+        <p:spPr>
+          <a:xfrm>
+            <a:off x="3636010" y="1584325"/>
+            <a:ext cx="4920615" cy="4373880"/>
+          </a:xfrm>
+          <a:prstGeom prst="rect">
+            <a:avLst/>
+          </a:prstGeom>
+        </p:spPr>
+      </p:pic>
+    </p:spTree>
+  </p:cSld>
+  <p:clrMapOvr>
+    <a:masterClrMapping/>
+  </p:clrMapOvr>
+</p:sld>
+</file>
+
+<file path=ppt/slides/slide15.xml><?xml version="1.0" encoding="utf-8"?>
 <p:sld xmlns:a="http://schemas.openxmlformats.org/drawingml/2006/main" xmlns:r="http://schemas.openxmlformats.org/officeDocument/2006/relationships" xmlns:p="http://schemas.openxmlformats.org/presentationml/2006/main">
   <p:cSld>
     <p:spTree>
@@ -4315,7 +4552,7 @@
 </p:sld>
 </file>
 
-<file path=ppt/slides/slide13.xml><?xml version="1.0" encoding="utf-8"?>
+<file path=ppt/slides/slide16.xml><?xml version="1.0" encoding="utf-8"?>
 <p:sld xmlns:a="http://schemas.openxmlformats.org/drawingml/2006/main" xmlns:r="http://schemas.openxmlformats.org/officeDocument/2006/relationships" xmlns:p="http://schemas.openxmlformats.org/presentationml/2006/main">
   <p:cSld>
     <p:spTree>
@@ -4423,7 +4660,7 @@
 </p:sld>
 </file>
 
-<file path=ppt/slides/slide14.xml><?xml version="1.0" encoding="utf-8"?>
+<file path=ppt/slides/slide17.xml><?xml version="1.0" encoding="utf-8"?>
 <p:sld xmlns:a="http://schemas.openxmlformats.org/drawingml/2006/main" xmlns:r="http://schemas.openxmlformats.org/officeDocument/2006/relationships" xmlns:p="http://schemas.openxmlformats.org/presentationml/2006/main">
   <p:cSld>
     <p:spTree>
@@ -7019,7 +7256,7 @@
       </p:sp>
       <p:pic>
         <p:nvPicPr>
-          <p:cNvPr id="4" name="Picture 3"/>
+          <p:cNvPr id="3" name="Picture 2"/>
           <p:cNvPicPr>
             <a:picLocks noChangeAspect="1"/>
           </p:cNvPicPr>
@@ -7033,8 +7270,8 @@
         </p:blipFill>
         <p:spPr>
           <a:xfrm>
-            <a:off x="403860" y="1610995"/>
-            <a:ext cx="11384280" cy="3636645"/>
+            <a:off x="3100070" y="1394460"/>
+            <a:ext cx="5991225" cy="4886325"/>
           </a:xfrm>
           <a:prstGeom prst="rect">
             <a:avLst/>
@@ -7111,8 +7348,8 @@
         </p:blipFill>
         <p:spPr>
           <a:xfrm>
-            <a:off x="194310" y="1268730"/>
-            <a:ext cx="11804650" cy="4319905"/>
+            <a:off x="490855" y="1831975"/>
+            <a:ext cx="11210290" cy="3194685"/>
           </a:xfrm>
           <a:prstGeom prst="rect">
             <a:avLst/>
@@ -7189,8 +7426,8 @@
         </p:blipFill>
         <p:spPr>
           <a:xfrm>
-            <a:off x="334010" y="1802130"/>
-            <a:ext cx="11523980" cy="3253740"/>
+            <a:off x="403860" y="1610995"/>
+            <a:ext cx="11384280" cy="3636645"/>
           </a:xfrm>
           <a:prstGeom prst="rect">
             <a:avLst/>

--- a/docs/presentations/Data-Driven Inverse Optimization.pptx
+++ b/docs/presentations/Data-Driven Inverse Optimization.pptx
@@ -3797,211 +3797,48 @@
           </a:p>
         </p:txBody>
       </p:sp>
-      <mc:AlternateContent xmlns:mc="http://schemas.openxmlformats.org/markup-compatibility/2006">
-        <mc:Choice xmlns:a14="http://schemas.microsoft.com/office/drawing/2010/main" Requires="a14">
-          <p:sp>
-            <p:nvSpPr>
-              <p:cNvPr id="3" name="Content Placeholder 2"/>
-              <p:cNvSpPr>
-                <a:spLocks noGrp="1"/>
-              </p:cNvSpPr>
-              <p:nvPr>
-                <p:ph idx="1"/>
-              </p:nvPr>
-            </p:nvSpPr>
-            <p:spPr>
-              <a:xfrm>
-                <a:off x="647700" y="1268095"/>
-                <a:ext cx="10515600" cy="4909185"/>
-              </a:xfrm>
-            </p:spPr>
-            <p:txBody>
-              <a:bodyPr>
-                <a:noAutofit/>
-              </a:bodyPr>
-              <a:p>
-                <a:r>
-                  <a:rPr lang="ru-RU" sz="2800"/>
-                  <a:t>Задача DIO получается «очень сложной» из-за находящичся в ней условий Куна-Таккера.</a:t>
-                </a:r>
-                <a:endParaRPr lang="ru-RU" sz="2800"/>
-              </a:p>
-              <a:p>
-                <a:r>
-                  <a:rPr lang="ru-RU" sz="2800"/>
-                  <a:t>Есть возможность убрать их, заменив одним эквивалентным ограничением.</a:t>
-                </a:r>
-                <a:endParaRPr lang="ru-RU" sz="2800"/>
-              </a:p>
-              <a:p>
-                <a:r>
-                  <a:rPr lang="ru-RU" sz="2800"/>
-                  <a:t>Назовем множество </a:t>
-                </a:r>
-                <a14:m>
-                  <m:oMath xmlns:m="http://schemas.openxmlformats.org/officeDocument/2006/math">
-                    <m:r>
-                      <a:rPr lang="en-US" altLang="ru-RU" sz="2800">
-                        <a:latin typeface="DejaVu Math TeX Gyre" panose="02000503000000000000" charset="0"/>
-                        <a:cs typeface="DejaVu Math TeX Gyre" panose="02000503000000000000" charset="0"/>
-                      </a:rPr>
-                      <m:t>𝒮</m:t>
-                    </m:r>
-                    <m:r>
-                      <a:rPr lang="en-US" altLang="ru-RU" sz="2800">
-                        <a:latin typeface="DejaVu Math TeX Gyre" panose="02000503000000000000" charset="0"/>
-                      </a:rPr>
-                      <m:t>=</m:t>
-                    </m:r>
-                    <m:acc>
-                      <m:accPr>
-                        <m:chr m:val="̃"/>
-                        <m:ctrlPr>
-                          <a:rPr lang="ru-RU" altLang="en-US" sz="2800" i="1">
-                            <a:latin typeface="DejaVu Math TeX Gyre" panose="02000503000000000000" charset="0"/>
-                            <a:cs typeface="DejaVu Math TeX Gyre" panose="02000503000000000000" charset="0"/>
-                            <a:sym typeface="+mn-ea"/>
-                          </a:rPr>
-                        </m:ctrlPr>
-                      </m:accPr>
-                      <m:e>
-                        <m:r>
-                          <a:rPr lang="en-US" altLang="ru-RU" sz="2800" i="1">
-                            <a:latin typeface="DejaVu Math TeX Gyre" panose="02000503000000000000" charset="0"/>
-                            <a:cs typeface="DejaVu Math TeX Gyre" panose="02000503000000000000" charset="0"/>
-                            <a:sym typeface="+mn-ea"/>
-                          </a:rPr>
-                          <m:t>𝒳</m:t>
-                        </m:r>
-                      </m:e>
-                    </m:acc>
-                    <m:r>
-                      <a:rPr lang="en-US" altLang="ru-RU" sz="2800" i="1">
-                        <a:latin typeface="DejaVu Math TeX Gyre" panose="02000503000000000000" charset="0"/>
-                        <a:cs typeface="DejaVu Math TeX Gyre" panose="02000503000000000000" charset="0"/>
-                      </a:rPr>
-                      <m:t>∩</m:t>
-                    </m:r>
-                    <m:r>
-                      <a:rPr lang="en-US" altLang="ru-RU" sz="2800" i="1">
-                        <a:latin typeface="DejaVu Math TeX Gyre" panose="02000503000000000000" charset="0"/>
-                        <a:cs typeface="DejaVu Math TeX Gyre" panose="02000503000000000000" charset="0"/>
-                        <a:sym typeface="+mn-ea"/>
-                      </a:rPr>
-                      <m:t>𝒳</m:t>
-                    </m:r>
-                  </m:oMath>
-                </a14:m>
-                <a:r>
-                  <a:rPr lang="ru-RU" sz="2800"/>
-                  <a:t> приличным, если заданный </a:t>
-                </a:r>
-                <a14:m>
-                  <m:oMath xmlns:m="http://schemas.openxmlformats.org/officeDocument/2006/math">
-                    <m:r>
-                      <a:rPr lang="en-US" altLang="ru-RU" sz="2800" b="1">
-                        <a:latin typeface="DejaVu Math TeX Gyre" panose="02000503000000000000" charset="0"/>
-                        <a:cs typeface="DejaVu Math TeX Gyre" panose="02000503000000000000" charset="0"/>
-                      </a:rPr>
-                      <m:t>𝐱</m:t>
-                    </m:r>
-                    <m:r>
-                      <a:rPr lang="en-US" altLang="ru-RU" sz="2800" baseline="-25000">
-                        <a:latin typeface="DejaVu Math TeX Gyre" panose="02000503000000000000" charset="0"/>
-                        <a:cs typeface="DejaVu Math TeX Gyre" panose="02000503000000000000" charset="0"/>
-                      </a:rPr>
-                      <m:t>0</m:t>
-                    </m:r>
-                    <m:r>
-                      <a:rPr lang="en-US" altLang="ru-RU" sz="2800">
-                        <a:latin typeface="DejaVu Math TeX Gyre" panose="02000503000000000000" charset="0"/>
-                        <a:cs typeface="DejaVu Math TeX Gyre" panose="02000503000000000000" charset="0"/>
-                      </a:rPr>
-                      <m:t> </m:t>
-                    </m:r>
-                  </m:oMath>
-                </a14:m>
-                <a:r>
-                  <a:rPr lang="ru-RU" altLang="en-US" sz="2800">
-                    <a:latin typeface="DejaVu Math TeX Gyre" panose="02000503000000000000" charset="0"/>
-                    <a:cs typeface="DejaVu Math TeX Gyre" panose="02000503000000000000" charset="0"/>
-                  </a:rPr>
-                  <a:t>является аргументом минимума целевой функции прямой задачи на множестве </a:t>
-                </a:r>
-                <a14:m>
-                  <m:oMath xmlns:m="http://schemas.openxmlformats.org/officeDocument/2006/math">
-                    <m:r>
-                      <a:rPr lang="en-US" altLang="ru-RU" sz="2800">
-                        <a:latin typeface="DejaVu Math TeX Gyre" panose="02000503000000000000" charset="0"/>
-                        <a:cs typeface="DejaVu Math TeX Gyre" panose="02000503000000000000" charset="0"/>
-                      </a:rPr>
-                      <m:t>𝒮</m:t>
-                    </m:r>
-                    <m:r>
-                      <a:rPr lang="en-US" altLang="ru-RU" sz="2800">
-                        <a:latin typeface="DejaVu Math TeX Gyre" panose="02000503000000000000" charset="0"/>
-                      </a:rPr>
-                      <m:t>.</m:t>
-                    </m:r>
-                  </m:oMath>
-                </a14:m>
-                <a:endParaRPr lang="en-US" altLang="ru-RU" sz="2800">
-                  <a:latin typeface="DejaVu Math TeX Gyre" panose="02000503000000000000" charset="0"/>
-                </a:endParaRPr>
-              </a:p>
-              <a:p>
-                <a:r>
-                  <a:rPr lang="ru-RU" sz="2800">
-                    <a:sym typeface="+mn-ea"/>
-                  </a:rPr>
-                  <a:t>Таким образом допустимое множество задачи DIO является приличным множеством.</a:t>
-                </a:r>
-                <a:endParaRPr lang="ru-RU" altLang="en-US" sz="2800" i="1" baseline="-25000">
-                  <a:latin typeface="DejaVu Math TeX Gyre" panose="02000503000000000000" charset="0"/>
-                  <a:cs typeface="DejaVu Math TeX Gyre" panose="02000503000000000000" charset="0"/>
-                </a:endParaRPr>
-              </a:p>
-            </p:txBody>
-          </p:sp>
-        </mc:Choice>
-        <mc:Fallback>
-          <p:sp>
-            <p:nvSpPr>
-              <p:cNvPr id="3" name="Content Placeholder 2"/>
-              <p:cNvSpPr>
-                <a:spLocks noRot="1" noChangeAspect="1" noMove="1" noResize="1" noEditPoints="1" noAdjustHandles="1" noChangeArrowheads="1" noChangeShapeType="1" noTextEdit="1"/>
-              </p:cNvSpPr>
-              <p:nvPr>
-                <p:ph idx="1"/>
-              </p:nvPr>
-            </p:nvSpPr>
-            <p:spPr>
-              <a:xfrm>
-                <a:off x="647700" y="1268095"/>
-                <a:ext cx="10515600" cy="4909185"/>
-              </a:xfrm>
-              <a:blipFill rotWithShape="1">
-                <a:blip r:embed="rId1"/>
-                <a:stretch>
-                  <a:fillRect/>
-                </a:stretch>
-              </a:blipFill>
-            </p:spPr>
-            <p:txBody>
-              <a:bodyPr/>
-              <a:lstStyle/>
-              <a:p>
-                <a:r>
-                  <a:rPr lang="en-US" altLang="en-US">
-                    <a:noFill/>
-                  </a:rPr>
-                  <a:t> </a:t>
-                </a:r>
-              </a:p>
-            </p:txBody>
-          </p:sp>
-        </mc:Fallback>
-      </mc:AlternateContent>
+      <p:sp>
+        <p:nvSpPr>
+          <p:cNvPr id="3" name="Content Placeholder 2"/>
+          <p:cNvSpPr>
+            <a:spLocks noGrp="1"/>
+          </p:cNvSpPr>
+          <p:nvPr>
+            <p:ph idx="1"/>
+          </p:nvPr>
+        </p:nvSpPr>
+        <p:spPr>
+          <a:xfrm>
+            <a:off x="647700" y="1268095"/>
+            <a:ext cx="10515600" cy="4909185"/>
+          </a:xfrm>
+        </p:spPr>
+        <p:txBody>
+          <a:bodyPr>
+            <a:noAutofit/>
+          </a:bodyPr>
+          <a:p>
+            <a:r>
+              <a:rPr lang="ru-RU" sz="2800"/>
+              <a:t>Задача DIO получается «очень сложной» из-за находящичся в ней условий Куна-Таккера.</a:t>
+            </a:r>
+            <a:endParaRPr lang="ru-RU" sz="2800"/>
+          </a:p>
+          <a:p>
+            <a:r>
+              <a:rPr lang="ru-RU" sz="2800"/>
+              <a:t>Есть возможность убрать их, заменив одним эквивалентным ограничением.</a:t>
+            </a:r>
+            <a:endParaRPr lang="ru-RU" sz="2800"/>
+          </a:p>
+          <a:p>
+            <a:endParaRPr lang="ru-RU" altLang="en-US" sz="2800" i="1" baseline="-25000">
+              <a:latin typeface="DejaVu Math TeX Gyre" panose="02000503000000000000" charset="0"/>
+              <a:cs typeface="DejaVu Math TeX Gyre" panose="02000503000000000000" charset="0"/>
+            </a:endParaRPr>
+          </a:p>
+        </p:txBody>
+      </p:sp>
     </p:spTree>
   </p:cSld>
   <p:clrMapOvr>
@@ -4083,7 +3920,45 @@
                   <a:rPr lang="ru-RU" sz="2800">
                     <a:sym typeface="+mn-ea"/>
                   </a:rPr>
-                  <a:t>Рассмотрим касательную, проведенную к целевой функции в точке минимума.</a:t>
+                  <a:t>Рассмотрим касательную, проведенную к целевой функции в точке минимума </a:t>
+                </a:r>
+                <a14:m>
+                  <m:oMath xmlns:m="http://schemas.openxmlformats.org/officeDocument/2006/math">
+                    <m:sSub>
+                      <m:sSubPr>
+                        <m:ctrlPr>
+                          <a:rPr lang="en-US" altLang="ru-RU" sz="2800">
+                            <a:latin typeface="DejaVu Math TeX Gyre" panose="02000503000000000000" charset="0"/>
+                            <a:cs typeface="DejaVu Math TeX Gyre" panose="02000503000000000000" charset="0"/>
+                          </a:rPr>
+                        </m:ctrlPr>
+                      </m:sSubPr>
+                      <m:e>
+                        <m:r>
+                          <a:rPr lang="en-US" altLang="ru-RU" sz="2800" b="1">
+                            <a:latin typeface="DejaVu Math TeX Gyre" panose="02000503000000000000" charset="0"/>
+                            <a:cs typeface="DejaVu Math TeX Gyre" panose="02000503000000000000" charset="0"/>
+                          </a:rPr>
+                          <m:t>𝐱</m:t>
+                        </m:r>
+                      </m:e>
+                      <m:sub>
+                        <m:r>
+                          <a:rPr lang="en-US" altLang="ru-RU" sz="2800">
+                            <a:latin typeface="DejaVu Math TeX Gyre" panose="02000503000000000000" charset="0"/>
+                            <a:cs typeface="DejaVu Math TeX Gyre" panose="02000503000000000000" charset="0"/>
+                          </a:rPr>
+                          <m:t>0</m:t>
+                        </m:r>
+                      </m:sub>
+                    </m:sSub>
+                  </m:oMath>
+                </a14:m>
+                <a:r>
+                  <a:rPr lang="ru-RU" sz="2800">
+                    <a:sym typeface="+mn-ea"/>
+                  </a:rPr>
+                  <a:t>.</a:t>
                 </a:r>
                 <a:endParaRPr lang="ru-RU" sz="2800">
                   <a:sym typeface="+mn-ea"/>
@@ -4125,221 +4000,6 @@
                 <a:pPr marL="0" indent="0">
                   <a:buNone/>
                 </a:pPr>
-                <a:r>
-                  <a:rPr lang="ru-RU" sz="2800"/>
-                  <a:t>1) </a:t>
-                </a:r>
-                <a14:m>
-                  <m:oMath xmlns:m="http://schemas.openxmlformats.org/officeDocument/2006/math">
-                    <m:r>
-                      <m:rPr>
-                        <m:sty m:val="p"/>
-                      </m:rPr>
-                      <a:rPr lang="en-US" altLang="ru-RU" sz="2800">
-                        <a:latin typeface="DejaVu Math TeX Gyre" panose="02000503000000000000" charset="0"/>
-                        <a:cs typeface="DejaVu Math TeX Gyre" panose="02000503000000000000" charset="0"/>
-                      </a:rPr>
-                      <m:t>C</m:t>
-                    </m:r>
-                  </m:oMath>
-                </a14:m>
-                <a:r>
-                  <a:rPr lang="ru-RU" sz="2800"/>
-                  <a:t> - выпуклое множество;</a:t>
-                </a:r>
-                <a:endParaRPr lang="ru-RU" sz="2800"/>
-              </a:p>
-              <a:p>
-                <a:pPr marL="0" indent="0">
-                  <a:buNone/>
-                </a:pPr>
-                <a:r>
-                  <a:rPr lang="ru-RU" sz="2800"/>
-                  <a:t>2) </a:t>
-                </a:r>
-                <a14:m>
-                  <m:oMath xmlns:m="http://schemas.openxmlformats.org/officeDocument/2006/math">
-                    <m:acc>
-                      <m:accPr>
-                        <m:chr m:val="̃"/>
-                        <m:ctrlPr>
-                          <a:rPr lang="ru-RU" altLang="en-US" sz="2800" i="1">
-                            <a:latin typeface="DejaVu Math TeX Gyre" panose="02000503000000000000" charset="0"/>
-                            <a:cs typeface="DejaVu Math TeX Gyre" panose="02000503000000000000" charset="0"/>
-                            <a:sym typeface="+mn-ea"/>
-                          </a:rPr>
-                        </m:ctrlPr>
-                      </m:accPr>
-                      <m:e>
-                        <m:r>
-                          <a:rPr lang="en-US" altLang="ru-RU" sz="2800" i="1">
-                            <a:latin typeface="DejaVu Math TeX Gyre" panose="02000503000000000000" charset="0"/>
-                            <a:cs typeface="DejaVu Math TeX Gyre" panose="02000503000000000000" charset="0"/>
-                            <a:sym typeface="+mn-ea"/>
-                          </a:rPr>
-                          <m:t>𝒳</m:t>
-                        </m:r>
-                      </m:e>
-                    </m:acc>
-                    <m:r>
-                      <a:rPr lang="en-US" altLang="ru-RU" sz="2800" i="1">
-                        <a:latin typeface="DejaVu Math TeX Gyre" panose="02000503000000000000" charset="0"/>
-                        <a:cs typeface="DejaVu Math TeX Gyre" panose="02000503000000000000" charset="0"/>
-                      </a:rPr>
-                      <m:t>∩</m:t>
-                    </m:r>
-                    <m:r>
-                      <a:rPr lang="en-US" altLang="ru-RU" sz="2800" i="1">
-                        <a:latin typeface="DejaVu Math TeX Gyre" panose="02000503000000000000" charset="0"/>
-                        <a:cs typeface="DejaVu Math TeX Gyre" panose="02000503000000000000" charset="0"/>
-                        <a:sym typeface="+mn-ea"/>
-                      </a:rPr>
-                      <m:t>𝒳</m:t>
-                    </m:r>
-                    <m:r>
-                      <a:rPr lang="en-US" altLang="ru-RU" sz="2800" i="1">
-                        <a:latin typeface="DejaVu Math TeX Gyre" panose="02000503000000000000" charset="0"/>
-                        <a:cs typeface="DejaVu Math TeX Gyre" panose="02000503000000000000" charset="0"/>
-                      </a:rPr>
-                      <m:t>∩</m:t>
-                    </m:r>
-                    <m:r>
-                      <m:rPr>
-                        <m:sty m:val="p"/>
-                      </m:rPr>
-                      <a:rPr lang="en-US" altLang="ru-RU" sz="2800">
-                        <a:latin typeface="DejaVu Math TeX Gyre" panose="02000503000000000000" charset="0"/>
-                        <a:cs typeface="DejaVu Math TeX Gyre" panose="02000503000000000000" charset="0"/>
-                      </a:rPr>
-                      <m:t>C</m:t>
-                    </m:r>
-                  </m:oMath>
-                </a14:m>
-                <a:r>
-                  <a:rPr lang="ru-RU" altLang="en-US" sz="2800">
-                    <a:latin typeface="DejaVu Math TeX Gyre" panose="02000503000000000000" charset="0"/>
-                    <a:cs typeface="DejaVu Math TeX Gyre" panose="02000503000000000000" charset="0"/>
-                  </a:rPr>
-                  <a:t> - тоже выпуклое;</a:t>
-                </a:r>
-                <a:endParaRPr lang="ru-RU" altLang="en-US" sz="2800">
-                  <a:latin typeface="DejaVu Math TeX Gyre" panose="02000503000000000000" charset="0"/>
-                  <a:cs typeface="DejaVu Math TeX Gyre" panose="02000503000000000000" charset="0"/>
-                </a:endParaRPr>
-              </a:p>
-              <a:p>
-                <a:pPr marL="0" indent="0">
-                  <a:buNone/>
-                </a:pPr>
-                <a:r>
-                  <a:rPr lang="ru-RU" altLang="en-US" sz="2800">
-                    <a:latin typeface="DejaVu Math TeX Gyre" panose="02000503000000000000" charset="0"/>
-                    <a:cs typeface="DejaVu Math TeX Gyre" panose="02000503000000000000" charset="0"/>
-                  </a:rPr>
-                  <a:t>3) любое приличное множество лежит в </a:t>
-                </a:r>
-                <a14:m>
-                  <m:oMath xmlns:m="http://schemas.openxmlformats.org/officeDocument/2006/math">
-                    <m:r>
-                      <m:rPr>
-                        <m:sty m:val="p"/>
-                      </m:rPr>
-                      <a:rPr lang="en-US" altLang="ru-RU" sz="2800">
-                        <a:latin typeface="DejaVu Math TeX Gyre" panose="02000503000000000000" charset="0"/>
-                        <a:cs typeface="DejaVu Math TeX Gyre" panose="02000503000000000000" charset="0"/>
-                      </a:rPr>
-                      <m:t>C</m:t>
-                    </m:r>
-                  </m:oMath>
-                </a14:m>
-                <a:r>
-                  <a:rPr lang="ru-RU" altLang="en-US" sz="2800">
-                    <a:latin typeface="DejaVu Math TeX Gyre" panose="02000503000000000000" charset="0"/>
-                    <a:cs typeface="DejaVu Math TeX Gyre" panose="02000503000000000000" charset="0"/>
-                  </a:rPr>
-                  <a:t>;</a:t>
-                </a:r>
-                <a:endParaRPr lang="ru-RU" altLang="en-US" sz="2800">
-                  <a:latin typeface="DejaVu Math TeX Gyre" panose="02000503000000000000" charset="0"/>
-                  <a:cs typeface="DejaVu Math TeX Gyre" panose="02000503000000000000" charset="0"/>
-                </a:endParaRPr>
-              </a:p>
-              <a:p>
-                <a:pPr marL="0" indent="0">
-                  <a:buNone/>
-                </a:pPr>
-                <a:r>
-                  <a:rPr lang="ru-RU" altLang="en-US" sz="2800">
-                    <a:latin typeface="DejaVu Math TeX Gyre" panose="02000503000000000000" charset="0"/>
-                    <a:cs typeface="DejaVu Math TeX Gyre" panose="02000503000000000000" charset="0"/>
-                  </a:rPr>
-                  <a:t>4) </a:t>
-                </a:r>
-                <a14:m>
-                  <m:oMath xmlns:m="http://schemas.openxmlformats.org/officeDocument/2006/math">
-                    <m:acc>
-                      <m:accPr>
-                        <m:chr m:val="̃"/>
-                        <m:ctrlPr>
-                          <a:rPr lang="ru-RU" altLang="en-US" sz="2800" i="1">
-                            <a:latin typeface="DejaVu Math TeX Gyre" panose="02000503000000000000" charset="0"/>
-                            <a:cs typeface="DejaVu Math TeX Gyre" panose="02000503000000000000" charset="0"/>
-                            <a:sym typeface="+mn-ea"/>
-                          </a:rPr>
-                        </m:ctrlPr>
-                      </m:accPr>
-                      <m:e>
-                        <m:r>
-                          <a:rPr lang="en-US" altLang="ru-RU" sz="2800" i="1">
-                            <a:latin typeface="DejaVu Math TeX Gyre" panose="02000503000000000000" charset="0"/>
-                            <a:cs typeface="DejaVu Math TeX Gyre" panose="02000503000000000000" charset="0"/>
-                            <a:sym typeface="+mn-ea"/>
-                          </a:rPr>
-                          <m:t>𝒳</m:t>
-                        </m:r>
-                      </m:e>
-                    </m:acc>
-                    <m:r>
-                      <a:rPr lang="en-US" altLang="ru-RU" sz="2800" i="1">
-                        <a:latin typeface="DejaVu Math TeX Gyre" panose="02000503000000000000" charset="0"/>
-                        <a:cs typeface="DejaVu Math TeX Gyre" panose="02000503000000000000" charset="0"/>
-                      </a:rPr>
-                      <m:t>∩</m:t>
-                    </m:r>
-                    <m:r>
-                      <a:rPr lang="en-US" altLang="ru-RU" sz="2800" i="1">
-                        <a:latin typeface="DejaVu Math TeX Gyre" panose="02000503000000000000" charset="0"/>
-                        <a:cs typeface="DejaVu Math TeX Gyre" panose="02000503000000000000" charset="0"/>
-                        <a:sym typeface="+mn-ea"/>
-                      </a:rPr>
-                      <m:t>𝒳</m:t>
-                    </m:r>
-                    <m:r>
-                      <a:rPr lang="en-US" altLang="ru-RU" sz="2800" i="1">
-                        <a:latin typeface="DejaVu Math TeX Gyre" panose="02000503000000000000" charset="0"/>
-                        <a:cs typeface="DejaVu Math TeX Gyre" panose="02000503000000000000" charset="0"/>
-                      </a:rPr>
-                      <m:t>∩</m:t>
-                    </m:r>
-                    <m:r>
-                      <m:rPr>
-                        <m:sty m:val="p"/>
-                      </m:rPr>
-                      <a:rPr lang="en-US" altLang="ru-RU" sz="2800">
-                        <a:latin typeface="DejaVu Math TeX Gyre" panose="02000503000000000000" charset="0"/>
-                        <a:cs typeface="DejaVu Math TeX Gyre" panose="02000503000000000000" charset="0"/>
-                      </a:rPr>
-                      <m:t>C</m:t>
-                    </m:r>
-                  </m:oMath>
-                </a14:m>
-                <a:r>
-                  <a:rPr lang="ru-RU" altLang="en-US" sz="2800">
-                    <a:latin typeface="DejaVu Math TeX Gyre" panose="02000503000000000000" charset="0"/>
-                    <a:cs typeface="DejaVu Math TeX Gyre" panose="02000503000000000000" charset="0"/>
-                  </a:rPr>
-                  <a:t> - само по себе приличное множество.</a:t>
-                </a:r>
                 <a:endParaRPr lang="ru-RU" altLang="en-US" sz="2800">
                   <a:latin typeface="DejaVu Math TeX Gyre" panose="02000503000000000000" charset="0"/>
                   <a:cs typeface="DejaVu Math TeX Gyre" panose="02000503000000000000" charset="0"/>
@@ -4965,13 +4625,13 @@
                   <a:rPr lang="ru-RU" altLang="en-US" sz="2800">
                     <a:sym typeface="+mn-ea"/>
                   </a:rPr>
-                  <a:t> - можества нелиненых и линейных ограничений соответсвенно, которые предстоит вывести (</a:t>
+                  <a:t> - можества нелиненых и линейных ограничений соответсвенно, которые предстоит вывести («</a:t>
                 </a:r>
                 <a:r>
                   <a:rPr lang="ru-RU" altLang="en-US" sz="2800" i="1">
                     <a:sym typeface="+mn-ea"/>
                   </a:rPr>
-                  <a:t>неизвестных</a:t>
+                  <a:t>неизвестных»</a:t>
                 </a:r>
                 <a:r>
                   <a:rPr lang="ru-RU" altLang="en-US" sz="2800">
@@ -7118,11 +6778,11 @@
               <a:p>
                 <a:r>
                   <a:rPr lang="ru-RU" altLang="en-US" sz="2800"/>
-                  <a:t>Допустимое решение DIO - набор таких коэффициетов </a:t>
+                  <a:t>Допустимое решение DIO - набор таких коэффициетов «</a:t>
                 </a:r>
                 <a:r>
                   <a:rPr lang="ru-RU" altLang="en-US" sz="2800" i="1"/>
-                  <a:t>неизвестных </a:t>
+                  <a:t>неизвестных» </a:t>
                 </a:r>
                 <a:r>
                   <a:rPr lang="ru-RU" altLang="en-US" sz="2800"/>
